--- a/MDPI_template/MDPI_template/Figures/figura1.pptx
+++ b/MDPI_template/MDPI_template/Figures/figura1.pptx
@@ -12,7 +12,8 @@
     <p:sldId id="263" r:id="rId6"/>
     <p:sldId id="264" r:id="rId7"/>
     <p:sldId id="258" r:id="rId8"/>
-    <p:sldId id="259" r:id="rId9"/>
+    <p:sldId id="265" r:id="rId9"/>
+    <p:sldId id="259" r:id="rId10"/>
   </p:sldIdLst>
   <p:sldSz cx="12192000" cy="6858000"/>
   <p:notesSz cx="6858000" cy="9144000"/>
@@ -268,7 +269,7 @@
           <a:p>
             <a:fld id="{B904A2E9-BBCF-4A5B-B40D-97E4A029EF02}" type="datetimeFigureOut">
               <a:rPr lang="es-MX" smtClean="0"/>
-              <a:t>14/10/2025</a:t>
+              <a:t>24/12/2025</a:t>
             </a:fld>
             <a:endParaRPr lang="es-MX"/>
           </a:p>
@@ -468,7 +469,7 @@
           <a:p>
             <a:fld id="{B904A2E9-BBCF-4A5B-B40D-97E4A029EF02}" type="datetimeFigureOut">
               <a:rPr lang="es-MX" smtClean="0"/>
-              <a:t>14/10/2025</a:t>
+              <a:t>24/12/2025</a:t>
             </a:fld>
             <a:endParaRPr lang="es-MX"/>
           </a:p>
@@ -678,7 +679,7 @@
           <a:p>
             <a:fld id="{B904A2E9-BBCF-4A5B-B40D-97E4A029EF02}" type="datetimeFigureOut">
               <a:rPr lang="es-MX" smtClean="0"/>
-              <a:t>14/10/2025</a:t>
+              <a:t>24/12/2025</a:t>
             </a:fld>
             <a:endParaRPr lang="es-MX"/>
           </a:p>
@@ -878,7 +879,7 @@
           <a:p>
             <a:fld id="{B904A2E9-BBCF-4A5B-B40D-97E4A029EF02}" type="datetimeFigureOut">
               <a:rPr lang="es-MX" smtClean="0"/>
-              <a:t>14/10/2025</a:t>
+              <a:t>24/12/2025</a:t>
             </a:fld>
             <a:endParaRPr lang="es-MX"/>
           </a:p>
@@ -1154,7 +1155,7 @@
           <a:p>
             <a:fld id="{B904A2E9-BBCF-4A5B-B40D-97E4A029EF02}" type="datetimeFigureOut">
               <a:rPr lang="es-MX" smtClean="0"/>
-              <a:t>14/10/2025</a:t>
+              <a:t>24/12/2025</a:t>
             </a:fld>
             <a:endParaRPr lang="es-MX"/>
           </a:p>
@@ -1422,7 +1423,7 @@
           <a:p>
             <a:fld id="{B904A2E9-BBCF-4A5B-B40D-97E4A029EF02}" type="datetimeFigureOut">
               <a:rPr lang="es-MX" smtClean="0"/>
-              <a:t>14/10/2025</a:t>
+              <a:t>24/12/2025</a:t>
             </a:fld>
             <a:endParaRPr lang="es-MX"/>
           </a:p>
@@ -1837,7 +1838,7 @@
           <a:p>
             <a:fld id="{B904A2E9-BBCF-4A5B-B40D-97E4A029EF02}" type="datetimeFigureOut">
               <a:rPr lang="es-MX" smtClean="0"/>
-              <a:t>14/10/2025</a:t>
+              <a:t>24/12/2025</a:t>
             </a:fld>
             <a:endParaRPr lang="es-MX"/>
           </a:p>
@@ -1979,7 +1980,7 @@
           <a:p>
             <a:fld id="{B904A2E9-BBCF-4A5B-B40D-97E4A029EF02}" type="datetimeFigureOut">
               <a:rPr lang="es-MX" smtClean="0"/>
-              <a:t>14/10/2025</a:t>
+              <a:t>24/12/2025</a:t>
             </a:fld>
             <a:endParaRPr lang="es-MX"/>
           </a:p>
@@ -2092,7 +2093,7 @@
           <a:p>
             <a:fld id="{B904A2E9-BBCF-4A5B-B40D-97E4A029EF02}" type="datetimeFigureOut">
               <a:rPr lang="es-MX" smtClean="0"/>
-              <a:t>14/10/2025</a:t>
+              <a:t>24/12/2025</a:t>
             </a:fld>
             <a:endParaRPr lang="es-MX"/>
           </a:p>
@@ -2405,7 +2406,7 @@
           <a:p>
             <a:fld id="{B904A2E9-BBCF-4A5B-B40D-97E4A029EF02}" type="datetimeFigureOut">
               <a:rPr lang="es-MX" smtClean="0"/>
-              <a:t>14/10/2025</a:t>
+              <a:t>24/12/2025</a:t>
             </a:fld>
             <a:endParaRPr lang="es-MX"/>
           </a:p>
@@ -2694,7 +2695,7 @@
           <a:p>
             <a:fld id="{B904A2E9-BBCF-4A5B-B40D-97E4A029EF02}" type="datetimeFigureOut">
               <a:rPr lang="es-MX" smtClean="0"/>
-              <a:t>14/10/2025</a:t>
+              <a:t>24/12/2025</a:t>
             </a:fld>
             <a:endParaRPr lang="es-MX"/>
           </a:p>
@@ -2937,7 +2938,7 @@
           <a:p>
             <a:fld id="{B904A2E9-BBCF-4A5B-B40D-97E4A029EF02}" type="datetimeFigureOut">
               <a:rPr lang="es-MX" smtClean="0"/>
-              <a:t>14/10/2025</a:t>
+              <a:t>24/12/2025</a:t>
             </a:fld>
             <a:endParaRPr lang="es-MX"/>
           </a:p>
@@ -12436,6 +12437,1720 @@
           <a:chExt cx="0" cy="0"/>
         </a:xfrm>
       </p:grpSpPr>
+      <p:pic>
+        <p:nvPicPr>
+          <p:cNvPr id="7" name="Imagen 6">
+            <a:extLst>
+              <a:ext uri="{FF2B5EF4-FFF2-40B4-BE49-F238E27FC236}">
+                <a16:creationId xmlns:a16="http://schemas.microsoft.com/office/drawing/2014/main" id="{1F59BC40-0591-4675-9CCB-D55648AE021F}"/>
+              </a:ext>
+            </a:extLst>
+          </p:cNvPr>
+          <p:cNvPicPr>
+            <a:picLocks noChangeAspect="1"/>
+          </p:cNvPicPr>
+          <p:nvPr/>
+        </p:nvPicPr>
+        <p:blipFill rotWithShape="1">
+          <a:blip r:embed="rId2"/>
+          <a:srcRect t="8982" b="8159"/>
+          <a:stretch/>
+        </p:blipFill>
+        <p:spPr>
+          <a:xfrm>
+            <a:off x="164774" y="93290"/>
+            <a:ext cx="5541335" cy="3638762"/>
+          </a:xfrm>
+          <a:prstGeom prst="rect">
+            <a:avLst/>
+          </a:prstGeom>
+          <a:ln>
+            <a:solidFill>
+              <a:schemeClr val="accent1"/>
+            </a:solidFill>
+          </a:ln>
+        </p:spPr>
+      </p:pic>
+      <p:pic>
+        <p:nvPicPr>
+          <p:cNvPr id="54" name="Imagen 53">
+            <a:extLst>
+              <a:ext uri="{FF2B5EF4-FFF2-40B4-BE49-F238E27FC236}">
+                <a16:creationId xmlns:a16="http://schemas.microsoft.com/office/drawing/2014/main" id="{B8582416-C696-4470-83CE-D87FDB6FC5DF}"/>
+              </a:ext>
+            </a:extLst>
+          </p:cNvPr>
+          <p:cNvPicPr>
+            <a:picLocks noChangeAspect="1"/>
+          </p:cNvPicPr>
+          <p:nvPr/>
+        </p:nvPicPr>
+        <p:blipFill rotWithShape="1">
+          <a:blip r:embed="rId3">
+            <a:extLst>
+              <a:ext uri="{28A0092B-C50C-407E-A947-70E740481C1C}">
+                <a14:useLocalDpi xmlns:a14="http://schemas.microsoft.com/office/drawing/2010/main" val="0"/>
+              </a:ext>
+            </a:extLst>
+          </a:blip>
+          <a:srcRect l="25675" r="28633"/>
+          <a:stretch/>
+        </p:blipFill>
+        <p:spPr>
+          <a:xfrm>
+            <a:off x="6526559" y="14269"/>
+            <a:ext cx="5072688" cy="6843731"/>
+          </a:xfrm>
+          <a:prstGeom prst="rect">
+            <a:avLst/>
+          </a:prstGeom>
+          <a:ln>
+            <a:solidFill>
+              <a:schemeClr val="accent1"/>
+            </a:solidFill>
+          </a:ln>
+        </p:spPr>
+      </p:pic>
+      <p:pic>
+        <p:nvPicPr>
+          <p:cNvPr id="1026" name="Picture 2" descr="Seguridad de la base de datos - Iconos gratis de seguridad">
+            <a:extLst>
+              <a:ext uri="{FF2B5EF4-FFF2-40B4-BE49-F238E27FC236}">
+                <a16:creationId xmlns:a16="http://schemas.microsoft.com/office/drawing/2014/main" id="{1EBBD5CE-7306-4C93-86BC-D43E76DF0346}"/>
+              </a:ext>
+            </a:extLst>
+          </p:cNvPr>
+          <p:cNvPicPr>
+            <a:picLocks noChangeAspect="1" noChangeArrowheads="1"/>
+          </p:cNvPicPr>
+          <p:nvPr/>
+        </p:nvPicPr>
+        <p:blipFill>
+          <a:blip r:embed="rId4">
+            <a:extLst>
+              <a:ext uri="{28A0092B-C50C-407E-A947-70E740481C1C}">
+                <a14:useLocalDpi xmlns:a14="http://schemas.microsoft.com/office/drawing/2010/main" val="0"/>
+              </a:ext>
+            </a:extLst>
+          </a:blip>
+          <a:srcRect/>
+          <a:stretch>
+            <a:fillRect/>
+          </a:stretch>
+        </p:blipFill>
+        <p:spPr bwMode="auto">
+          <a:xfrm>
+            <a:off x="2495204" y="3157824"/>
+            <a:ext cx="542351" cy="542351"/>
+          </a:xfrm>
+          <a:prstGeom prst="rect">
+            <a:avLst/>
+          </a:prstGeom>
+          <a:noFill/>
+          <a:extLst>
+            <a:ext uri="{909E8E84-426E-40DD-AFC4-6F175D3DCCD1}">
+              <a14:hiddenFill xmlns:a14="http://schemas.microsoft.com/office/drawing/2010/main">
+                <a:solidFill>
+                  <a:srgbClr val="FFFFFF"/>
+                </a:solidFill>
+              </a14:hiddenFill>
+            </a:ext>
+          </a:extLst>
+        </p:spPr>
+      </p:pic>
+      <p:pic>
+        <p:nvPicPr>
+          <p:cNvPr id="1030" name="Picture 6" descr="Base de datos - Iconos gratis de comunicaciones">
+            <a:extLst>
+              <a:ext uri="{FF2B5EF4-FFF2-40B4-BE49-F238E27FC236}">
+                <a16:creationId xmlns:a16="http://schemas.microsoft.com/office/drawing/2014/main" id="{839E2CDC-A752-475C-9721-C1A5A4518996}"/>
+              </a:ext>
+            </a:extLst>
+          </p:cNvPr>
+          <p:cNvPicPr>
+            <a:picLocks noChangeAspect="1" noChangeArrowheads="1"/>
+          </p:cNvPicPr>
+          <p:nvPr/>
+        </p:nvPicPr>
+        <p:blipFill rotWithShape="1">
+          <a:blip r:embed="rId5">
+            <a:extLst>
+              <a:ext uri="{28A0092B-C50C-407E-A947-70E740481C1C}">
+                <a14:useLocalDpi xmlns:a14="http://schemas.microsoft.com/office/drawing/2010/main" val="0"/>
+              </a:ext>
+            </a:extLst>
+          </a:blip>
+          <a:srcRect l="5156" t="7771" r="3787" b="6451"/>
+          <a:stretch/>
+        </p:blipFill>
+        <p:spPr bwMode="auto">
+          <a:xfrm>
+            <a:off x="1286442" y="1435135"/>
+            <a:ext cx="685347" cy="645606"/>
+          </a:xfrm>
+          <a:prstGeom prst="rect">
+            <a:avLst/>
+          </a:prstGeom>
+          <a:noFill/>
+          <a:extLst>
+            <a:ext uri="{909E8E84-426E-40DD-AFC4-6F175D3DCCD1}">
+              <a14:hiddenFill xmlns:a14="http://schemas.microsoft.com/office/drawing/2010/main">
+                <a:solidFill>
+                  <a:srgbClr val="FFFFFF"/>
+                </a:solidFill>
+              </a14:hiddenFill>
+            </a:ext>
+          </a:extLst>
+        </p:spPr>
+      </p:pic>
+      <p:pic>
+        <p:nvPicPr>
+          <p:cNvPr id="24" name="Picture 2" descr="Hugging Face">
+            <a:extLst>
+              <a:ext uri="{FF2B5EF4-FFF2-40B4-BE49-F238E27FC236}">
+                <a16:creationId xmlns:a16="http://schemas.microsoft.com/office/drawing/2014/main" id="{6F9B8976-38C0-42C4-9840-EA9413DB5852}"/>
+              </a:ext>
+            </a:extLst>
+          </p:cNvPr>
+          <p:cNvPicPr>
+            <a:picLocks noChangeAspect="1" noChangeArrowheads="1"/>
+          </p:cNvPicPr>
+          <p:nvPr/>
+        </p:nvPicPr>
+        <p:blipFill rotWithShape="1">
+          <a:blip r:embed="rId6">
+            <a:extLst>
+              <a:ext uri="{28A0092B-C50C-407E-A947-70E740481C1C}">
+                <a14:useLocalDpi xmlns:a14="http://schemas.microsoft.com/office/drawing/2010/main" val="0"/>
+              </a:ext>
+            </a:extLst>
+          </a:blip>
+          <a:srcRect l="28634" t="29013" r="28080" b="28993"/>
+          <a:stretch/>
+        </p:blipFill>
+        <p:spPr bwMode="auto">
+          <a:xfrm>
+            <a:off x="10255030" y="1988289"/>
+            <a:ext cx="1016952" cy="986633"/>
+          </a:xfrm>
+          <a:prstGeom prst="rect">
+            <a:avLst/>
+          </a:prstGeom>
+          <a:noFill/>
+          <a:extLst>
+            <a:ext uri="{909E8E84-426E-40DD-AFC4-6F175D3DCCD1}">
+              <a14:hiddenFill xmlns:a14="http://schemas.microsoft.com/office/drawing/2010/main">
+                <a:solidFill>
+                  <a:srgbClr val="FFFFFF"/>
+                </a:solidFill>
+              </a14:hiddenFill>
+            </a:ext>
+          </a:extLst>
+        </p:spPr>
+      </p:pic>
+      <p:pic>
+        <p:nvPicPr>
+          <p:cNvPr id="25" name="Picture 4" descr="Desbloquear el poder de la limpieza de datos eficaz: tÃ©cnicas, beneficios  y mejores prÃ¡cticas">
+            <a:extLst>
+              <a:ext uri="{FF2B5EF4-FFF2-40B4-BE49-F238E27FC236}">
+                <a16:creationId xmlns:a16="http://schemas.microsoft.com/office/drawing/2014/main" id="{8B307A9E-3BF0-45A4-B2CF-D803DFF20582}"/>
+              </a:ext>
+            </a:extLst>
+          </p:cNvPr>
+          <p:cNvPicPr>
+            <a:picLocks noChangeAspect="1" noChangeArrowheads="1"/>
+          </p:cNvPicPr>
+          <p:nvPr/>
+        </p:nvPicPr>
+        <p:blipFill>
+          <a:blip r:embed="rId7">
+            <a:extLst>
+              <a:ext uri="{28A0092B-C50C-407E-A947-70E740481C1C}">
+                <a14:useLocalDpi xmlns:a14="http://schemas.microsoft.com/office/drawing/2010/main" val="0"/>
+              </a:ext>
+            </a:extLst>
+          </a:blip>
+          <a:srcRect/>
+          <a:stretch>
+            <a:fillRect/>
+          </a:stretch>
+        </p:blipFill>
+        <p:spPr bwMode="auto">
+          <a:xfrm>
+            <a:off x="8754357" y="889836"/>
+            <a:ext cx="1009541" cy="1009541"/>
+          </a:xfrm>
+          <a:prstGeom prst="rect">
+            <a:avLst/>
+          </a:prstGeom>
+          <a:noFill/>
+          <a:extLst>
+            <a:ext uri="{909E8E84-426E-40DD-AFC4-6F175D3DCCD1}">
+              <a14:hiddenFill xmlns:a14="http://schemas.microsoft.com/office/drawing/2010/main">
+                <a:solidFill>
+                  <a:srgbClr val="FFFFFF"/>
+                </a:solidFill>
+              </a14:hiddenFill>
+            </a:ext>
+          </a:extLst>
+        </p:spPr>
+      </p:pic>
+      <p:pic>
+        <p:nvPicPr>
+          <p:cNvPr id="1032" name="Picture 8" descr="Proceso de Web Scraping">
+            <a:extLst>
+              <a:ext uri="{FF2B5EF4-FFF2-40B4-BE49-F238E27FC236}">
+                <a16:creationId xmlns:a16="http://schemas.microsoft.com/office/drawing/2014/main" id="{EE966221-7AE5-473E-A203-B8944C592861}"/>
+              </a:ext>
+            </a:extLst>
+          </p:cNvPr>
+          <p:cNvPicPr>
+            <a:picLocks noChangeAspect="1" noChangeArrowheads="1"/>
+          </p:cNvPicPr>
+          <p:nvPr/>
+        </p:nvPicPr>
+        <p:blipFill rotWithShape="1">
+          <a:blip r:embed="rId8">
+            <a:extLst>
+              <a:ext uri="{28A0092B-C50C-407E-A947-70E740481C1C}">
+                <a14:useLocalDpi xmlns:a14="http://schemas.microsoft.com/office/drawing/2010/main" val="0"/>
+              </a:ext>
+            </a:extLst>
+          </a:blip>
+          <a:srcRect l="7187" t="23025" r="5556" b="9260"/>
+          <a:stretch/>
+        </p:blipFill>
+        <p:spPr bwMode="auto">
+          <a:xfrm>
+            <a:off x="4001508" y="2008441"/>
+            <a:ext cx="1600571" cy="698663"/>
+          </a:xfrm>
+          <a:prstGeom prst="rect">
+            <a:avLst/>
+          </a:prstGeom>
+          <a:noFill/>
+          <a:extLst>
+            <a:ext uri="{909E8E84-426E-40DD-AFC4-6F175D3DCCD1}">
+              <a14:hiddenFill xmlns:a14="http://schemas.microsoft.com/office/drawing/2010/main">
+                <a:solidFill>
+                  <a:srgbClr val="FFFFFF"/>
+                </a:solidFill>
+              </a14:hiddenFill>
+            </a:ext>
+          </a:extLst>
+        </p:spPr>
+      </p:pic>
+      <p:pic>
+        <p:nvPicPr>
+          <p:cNvPr id="1034" name="Picture 10" descr="Representación de documentos mediante TF-IDF - YouTube">
+            <a:extLst>
+              <a:ext uri="{FF2B5EF4-FFF2-40B4-BE49-F238E27FC236}">
+                <a16:creationId xmlns:a16="http://schemas.microsoft.com/office/drawing/2014/main" id="{BFDB8E18-A754-4FA6-AD73-757163001644}"/>
+              </a:ext>
+            </a:extLst>
+          </p:cNvPr>
+          <p:cNvPicPr>
+            <a:picLocks noChangeAspect="1" noChangeArrowheads="1"/>
+          </p:cNvPicPr>
+          <p:nvPr/>
+        </p:nvPicPr>
+        <p:blipFill rotWithShape="1">
+          <a:blip r:embed="rId9">
+            <a:extLst>
+              <a:ext uri="{28A0092B-C50C-407E-A947-70E740481C1C}">
+                <a14:useLocalDpi xmlns:a14="http://schemas.microsoft.com/office/drawing/2010/main" val="0"/>
+              </a:ext>
+            </a:extLst>
+          </a:blip>
+          <a:srcRect l="7348" t="18395" r="24919" b="1705"/>
+          <a:stretch/>
+        </p:blipFill>
+        <p:spPr bwMode="auto">
+          <a:xfrm>
+            <a:off x="9023026" y="2080741"/>
+            <a:ext cx="1148450" cy="762281"/>
+          </a:xfrm>
+          <a:prstGeom prst="rect">
+            <a:avLst/>
+          </a:prstGeom>
+          <a:noFill/>
+          <a:extLst>
+            <a:ext uri="{909E8E84-426E-40DD-AFC4-6F175D3DCCD1}">
+              <a14:hiddenFill xmlns:a14="http://schemas.microsoft.com/office/drawing/2010/main">
+                <a:solidFill>
+                  <a:srgbClr val="FFFFFF"/>
+                </a:solidFill>
+              </a14:hiddenFill>
+            </a:ext>
+          </a:extLst>
+        </p:spPr>
+      </p:pic>
+      <p:pic>
+        <p:nvPicPr>
+          <p:cNvPr id="1036" name="Picture 12" descr="Keras: Deep Learning for humans">
+            <a:extLst>
+              <a:ext uri="{FF2B5EF4-FFF2-40B4-BE49-F238E27FC236}">
+                <a16:creationId xmlns:a16="http://schemas.microsoft.com/office/drawing/2014/main" id="{78608EC1-C13D-4742-A741-779E0067E9EF}"/>
+              </a:ext>
+            </a:extLst>
+          </p:cNvPr>
+          <p:cNvPicPr>
+            <a:picLocks noChangeAspect="1" noChangeArrowheads="1"/>
+          </p:cNvPicPr>
+          <p:nvPr/>
+        </p:nvPicPr>
+        <p:blipFill>
+          <a:blip r:embed="rId10">
+            <a:extLst>
+              <a:ext uri="{28A0092B-C50C-407E-A947-70E740481C1C}">
+                <a14:useLocalDpi xmlns:a14="http://schemas.microsoft.com/office/drawing/2010/main" val="0"/>
+              </a:ext>
+            </a:extLst>
+          </a:blip>
+          <a:srcRect/>
+          <a:stretch>
+            <a:fillRect/>
+          </a:stretch>
+        </p:blipFill>
+        <p:spPr bwMode="auto">
+          <a:xfrm>
+            <a:off x="10417795" y="4477393"/>
+            <a:ext cx="1206538" cy="349896"/>
+          </a:xfrm>
+          <a:prstGeom prst="rect">
+            <a:avLst/>
+          </a:prstGeom>
+          <a:noFill/>
+          <a:extLst>
+            <a:ext uri="{909E8E84-426E-40DD-AFC4-6F175D3DCCD1}">
+              <a14:hiddenFill xmlns:a14="http://schemas.microsoft.com/office/drawing/2010/main">
+                <a:solidFill>
+                  <a:srgbClr val="FFFFFF"/>
+                </a:solidFill>
+              </a14:hiddenFill>
+            </a:ext>
+          </a:extLst>
+        </p:spPr>
+      </p:pic>
+      <p:pic>
+        <p:nvPicPr>
+          <p:cNvPr id="1038" name="Picture 14" descr="Algoritmo - Iconos gratis de editar herramientas">
+            <a:extLst>
+              <a:ext uri="{FF2B5EF4-FFF2-40B4-BE49-F238E27FC236}">
+                <a16:creationId xmlns:a16="http://schemas.microsoft.com/office/drawing/2014/main" id="{BC62E01A-14AC-4F66-8BBD-6D93C5DF566F}"/>
+              </a:ext>
+            </a:extLst>
+          </p:cNvPr>
+          <p:cNvPicPr>
+            <a:picLocks noChangeAspect="1" noChangeArrowheads="1"/>
+          </p:cNvPicPr>
+          <p:nvPr/>
+        </p:nvPicPr>
+        <p:blipFill>
+          <a:blip r:embed="rId11">
+            <a:extLst>
+              <a:ext uri="{28A0092B-C50C-407E-A947-70E740481C1C}">
+                <a14:useLocalDpi xmlns:a14="http://schemas.microsoft.com/office/drawing/2010/main" val="0"/>
+              </a:ext>
+            </a:extLst>
+          </a:blip>
+          <a:srcRect/>
+          <a:stretch>
+            <a:fillRect/>
+          </a:stretch>
+        </p:blipFill>
+        <p:spPr bwMode="auto">
+          <a:xfrm>
+            <a:off x="6781800" y="3729888"/>
+            <a:ext cx="922453" cy="922453"/>
+          </a:xfrm>
+          <a:prstGeom prst="rect">
+            <a:avLst/>
+          </a:prstGeom>
+          <a:noFill/>
+          <a:extLst>
+            <a:ext uri="{909E8E84-426E-40DD-AFC4-6F175D3DCCD1}">
+              <a14:hiddenFill xmlns:a14="http://schemas.microsoft.com/office/drawing/2010/main">
+                <a:solidFill>
+                  <a:srgbClr val="FFFFFF"/>
+                </a:solidFill>
+              </a14:hiddenFill>
+            </a:ext>
+          </a:extLst>
+        </p:spPr>
+      </p:pic>
+      <p:pic>
+        <p:nvPicPr>
+          <p:cNvPr id="1040" name="Picture 16" descr="Comparison Generic Outline Color icon | Freepik">
+            <a:extLst>
+              <a:ext uri="{FF2B5EF4-FFF2-40B4-BE49-F238E27FC236}">
+                <a16:creationId xmlns:a16="http://schemas.microsoft.com/office/drawing/2014/main" id="{84CCE91B-F4D7-4F3A-AF31-3A245FC22E7A}"/>
+              </a:ext>
+            </a:extLst>
+          </p:cNvPr>
+          <p:cNvPicPr>
+            <a:picLocks noChangeAspect="1" noChangeArrowheads="1"/>
+          </p:cNvPicPr>
+          <p:nvPr/>
+        </p:nvPicPr>
+        <p:blipFill>
+          <a:blip r:embed="rId12">
+            <a:extLst>
+              <a:ext uri="{28A0092B-C50C-407E-A947-70E740481C1C}">
+                <a14:useLocalDpi xmlns:a14="http://schemas.microsoft.com/office/drawing/2010/main" val="0"/>
+              </a:ext>
+            </a:extLst>
+          </a:blip>
+          <a:srcRect/>
+          <a:stretch>
+            <a:fillRect/>
+          </a:stretch>
+        </p:blipFill>
+        <p:spPr bwMode="auto">
+          <a:xfrm>
+            <a:off x="10149486" y="5786568"/>
+            <a:ext cx="1003873" cy="1003873"/>
+          </a:xfrm>
+          <a:prstGeom prst="rect">
+            <a:avLst/>
+          </a:prstGeom>
+          <a:noFill/>
+          <a:extLst>
+            <a:ext uri="{909E8E84-426E-40DD-AFC4-6F175D3DCCD1}">
+              <a14:hiddenFill xmlns:a14="http://schemas.microsoft.com/office/drawing/2010/main">
+                <a:solidFill>
+                  <a:srgbClr val="FFFFFF"/>
+                </a:solidFill>
+              </a14:hiddenFill>
+            </a:ext>
+          </a:extLst>
+        </p:spPr>
+      </p:pic>
+      <p:pic>
+        <p:nvPicPr>
+          <p:cNvPr id="1042" name="Picture 18" descr="Datasets - DataForImpactProject">
+            <a:extLst>
+              <a:ext uri="{FF2B5EF4-FFF2-40B4-BE49-F238E27FC236}">
+                <a16:creationId xmlns:a16="http://schemas.microsoft.com/office/drawing/2014/main" id="{438E4823-BCBA-4AB9-82B1-82EECF985A52}"/>
+              </a:ext>
+            </a:extLst>
+          </p:cNvPr>
+          <p:cNvPicPr>
+            <a:picLocks noChangeAspect="1" noChangeArrowheads="1"/>
+          </p:cNvPicPr>
+          <p:nvPr/>
+        </p:nvPicPr>
+        <p:blipFill>
+          <a:blip r:embed="rId13">
+            <a:extLst>
+              <a:ext uri="{28A0092B-C50C-407E-A947-70E740481C1C}">
+                <a14:useLocalDpi xmlns:a14="http://schemas.microsoft.com/office/drawing/2010/main" val="0"/>
+              </a:ext>
+            </a:extLst>
+          </a:blip>
+          <a:srcRect/>
+          <a:stretch>
+            <a:fillRect/>
+          </a:stretch>
+        </p:blipFill>
+        <p:spPr bwMode="auto">
+          <a:xfrm>
+            <a:off x="10172983" y="103700"/>
+            <a:ext cx="1327261" cy="1331435"/>
+          </a:xfrm>
+          <a:prstGeom prst="rect">
+            <a:avLst/>
+          </a:prstGeom>
+          <a:noFill/>
+          <a:extLst>
+            <a:ext uri="{909E8E84-426E-40DD-AFC4-6F175D3DCCD1}">
+              <a14:hiddenFill xmlns:a14="http://schemas.microsoft.com/office/drawing/2010/main">
+                <a:solidFill>
+                  <a:srgbClr val="FFFFFF"/>
+                </a:solidFill>
+              </a14:hiddenFill>
+            </a:ext>
+          </a:extLst>
+        </p:spPr>
+      </p:pic>
+      <p:sp>
+        <p:nvSpPr>
+          <p:cNvPr id="63" name="Marcador de contenido 2">
+            <a:extLst>
+              <a:ext uri="{FF2B5EF4-FFF2-40B4-BE49-F238E27FC236}">
+                <a16:creationId xmlns:a16="http://schemas.microsoft.com/office/drawing/2014/main" id="{3D19C736-A91B-4877-9BCB-3FE8A271C72D}"/>
+              </a:ext>
+            </a:extLst>
+          </p:cNvPr>
+          <p:cNvSpPr>
+            <a:spLocks noGrp="1"/>
+          </p:cNvSpPr>
+          <p:nvPr>
+            <p:ph idx="1"/>
+          </p:nvPr>
+        </p:nvSpPr>
+        <p:spPr>
+          <a:xfrm>
+            <a:off x="10288243" y="99867"/>
+            <a:ext cx="677015" cy="349398"/>
+          </a:xfrm>
+        </p:spPr>
+        <p:txBody>
+          <a:bodyPr>
+            <a:normAutofit/>
+          </a:bodyPr>
+          <a:lstStyle/>
+          <a:p>
+            <a:pPr marL="0" indent="0">
+              <a:buNone/>
+            </a:pPr>
+            <a:r>
+              <a:rPr lang="es-MX" sz="1800" dirty="0">
+                <a:solidFill>
+                  <a:srgbClr val="A7BF39"/>
+                </a:solidFill>
+              </a:rPr>
+              <a:t>70%</a:t>
+            </a:r>
+          </a:p>
+        </p:txBody>
+      </p:sp>
+      <p:sp>
+        <p:nvSpPr>
+          <p:cNvPr id="64" name="Marcador de contenido 2">
+            <a:extLst>
+              <a:ext uri="{FF2B5EF4-FFF2-40B4-BE49-F238E27FC236}">
+                <a16:creationId xmlns:a16="http://schemas.microsoft.com/office/drawing/2014/main" id="{98D01804-CC01-4EE1-AB35-654DF33E1FA5}"/>
+              </a:ext>
+            </a:extLst>
+          </p:cNvPr>
+          <p:cNvSpPr txBox="1">
+            <a:spLocks/>
+          </p:cNvSpPr>
+          <p:nvPr/>
+        </p:nvSpPr>
+        <p:spPr>
+          <a:xfrm>
+            <a:off x="11056353" y="355949"/>
+            <a:ext cx="481433" cy="349398"/>
+          </a:xfrm>
+          <a:prstGeom prst="rect">
+            <a:avLst/>
+          </a:prstGeom>
+        </p:spPr>
+        <p:txBody>
+          <a:bodyPr vert="horz" lIns="91440" tIns="45720" rIns="91440" bIns="45720" rtlCol="0">
+            <a:normAutofit/>
+          </a:bodyPr>
+          <a:lstStyle>
+            <a:lvl1pPr marL="228600" indent="-228600" algn="l" defTabSz="914400" rtl="0" eaLnBrk="1" latinLnBrk="0" hangingPunct="1">
+              <a:lnSpc>
+                <a:spcPct val="90000"/>
+              </a:lnSpc>
+              <a:spcBef>
+                <a:spcPts val="1000"/>
+              </a:spcBef>
+              <a:buFont typeface="Arial" panose="020B0604020202020204" pitchFamily="34" charset="0"/>
+              <a:buChar char="•"/>
+              <a:defRPr sz="2800" kern="1200">
+                <a:solidFill>
+                  <a:schemeClr val="tx1"/>
+                </a:solidFill>
+                <a:latin typeface="+mn-lt"/>
+                <a:ea typeface="+mn-ea"/>
+                <a:cs typeface="+mn-cs"/>
+              </a:defRPr>
+            </a:lvl1pPr>
+            <a:lvl2pPr marL="685800" indent="-228600" algn="l" defTabSz="914400" rtl="0" eaLnBrk="1" latinLnBrk="0" hangingPunct="1">
+              <a:lnSpc>
+                <a:spcPct val="90000"/>
+              </a:lnSpc>
+              <a:spcBef>
+                <a:spcPts val="500"/>
+              </a:spcBef>
+              <a:buFont typeface="Arial" panose="020B0604020202020204" pitchFamily="34" charset="0"/>
+              <a:buChar char="•"/>
+              <a:defRPr sz="2400" kern="1200">
+                <a:solidFill>
+                  <a:schemeClr val="tx1"/>
+                </a:solidFill>
+                <a:latin typeface="+mn-lt"/>
+                <a:ea typeface="+mn-ea"/>
+                <a:cs typeface="+mn-cs"/>
+              </a:defRPr>
+            </a:lvl2pPr>
+            <a:lvl3pPr marL="1143000" indent="-228600" algn="l" defTabSz="914400" rtl="0" eaLnBrk="1" latinLnBrk="0" hangingPunct="1">
+              <a:lnSpc>
+                <a:spcPct val="90000"/>
+              </a:lnSpc>
+              <a:spcBef>
+                <a:spcPts val="500"/>
+              </a:spcBef>
+              <a:buFont typeface="Arial" panose="020B0604020202020204" pitchFamily="34" charset="0"/>
+              <a:buChar char="•"/>
+              <a:defRPr sz="2000" kern="1200">
+                <a:solidFill>
+                  <a:schemeClr val="tx1"/>
+                </a:solidFill>
+                <a:latin typeface="+mn-lt"/>
+                <a:ea typeface="+mn-ea"/>
+                <a:cs typeface="+mn-cs"/>
+              </a:defRPr>
+            </a:lvl3pPr>
+            <a:lvl4pPr marL="1600200" indent="-228600" algn="l" defTabSz="914400" rtl="0" eaLnBrk="1" latinLnBrk="0" hangingPunct="1">
+              <a:lnSpc>
+                <a:spcPct val="90000"/>
+              </a:lnSpc>
+              <a:spcBef>
+                <a:spcPts val="500"/>
+              </a:spcBef>
+              <a:buFont typeface="Arial" panose="020B0604020202020204" pitchFamily="34" charset="0"/>
+              <a:buChar char="•"/>
+              <a:defRPr sz="1800" kern="1200">
+                <a:solidFill>
+                  <a:schemeClr val="tx1"/>
+                </a:solidFill>
+                <a:latin typeface="+mn-lt"/>
+                <a:ea typeface="+mn-ea"/>
+                <a:cs typeface="+mn-cs"/>
+              </a:defRPr>
+            </a:lvl4pPr>
+            <a:lvl5pPr marL="2057400" indent="-228600" algn="l" defTabSz="914400" rtl="0" eaLnBrk="1" latinLnBrk="0" hangingPunct="1">
+              <a:lnSpc>
+                <a:spcPct val="90000"/>
+              </a:lnSpc>
+              <a:spcBef>
+                <a:spcPts val="500"/>
+              </a:spcBef>
+              <a:buFont typeface="Arial" panose="020B0604020202020204" pitchFamily="34" charset="0"/>
+              <a:buChar char="•"/>
+              <a:defRPr sz="1800" kern="1200">
+                <a:solidFill>
+                  <a:schemeClr val="tx1"/>
+                </a:solidFill>
+                <a:latin typeface="+mn-lt"/>
+                <a:ea typeface="+mn-ea"/>
+                <a:cs typeface="+mn-cs"/>
+              </a:defRPr>
+            </a:lvl5pPr>
+            <a:lvl6pPr marL="2514600" indent="-228600" algn="l" defTabSz="914400" rtl="0" eaLnBrk="1" latinLnBrk="0" hangingPunct="1">
+              <a:lnSpc>
+                <a:spcPct val="90000"/>
+              </a:lnSpc>
+              <a:spcBef>
+                <a:spcPts val="500"/>
+              </a:spcBef>
+              <a:buFont typeface="Arial" panose="020B0604020202020204" pitchFamily="34" charset="0"/>
+              <a:buChar char="•"/>
+              <a:defRPr sz="1800" kern="1200">
+                <a:solidFill>
+                  <a:schemeClr val="tx1"/>
+                </a:solidFill>
+                <a:latin typeface="+mn-lt"/>
+                <a:ea typeface="+mn-ea"/>
+                <a:cs typeface="+mn-cs"/>
+              </a:defRPr>
+            </a:lvl6pPr>
+            <a:lvl7pPr marL="2971800" indent="-228600" algn="l" defTabSz="914400" rtl="0" eaLnBrk="1" latinLnBrk="0" hangingPunct="1">
+              <a:lnSpc>
+                <a:spcPct val="90000"/>
+              </a:lnSpc>
+              <a:spcBef>
+                <a:spcPts val="500"/>
+              </a:spcBef>
+              <a:buFont typeface="Arial" panose="020B0604020202020204" pitchFamily="34" charset="0"/>
+              <a:buChar char="•"/>
+              <a:defRPr sz="1800" kern="1200">
+                <a:solidFill>
+                  <a:schemeClr val="tx1"/>
+                </a:solidFill>
+                <a:latin typeface="+mn-lt"/>
+                <a:ea typeface="+mn-ea"/>
+                <a:cs typeface="+mn-cs"/>
+              </a:defRPr>
+            </a:lvl7pPr>
+            <a:lvl8pPr marL="3429000" indent="-228600" algn="l" defTabSz="914400" rtl="0" eaLnBrk="1" latinLnBrk="0" hangingPunct="1">
+              <a:lnSpc>
+                <a:spcPct val="90000"/>
+              </a:lnSpc>
+              <a:spcBef>
+                <a:spcPts val="500"/>
+              </a:spcBef>
+              <a:buFont typeface="Arial" panose="020B0604020202020204" pitchFamily="34" charset="0"/>
+              <a:buChar char="•"/>
+              <a:defRPr sz="1800" kern="1200">
+                <a:solidFill>
+                  <a:schemeClr val="tx1"/>
+                </a:solidFill>
+                <a:latin typeface="+mn-lt"/>
+                <a:ea typeface="+mn-ea"/>
+                <a:cs typeface="+mn-cs"/>
+              </a:defRPr>
+            </a:lvl8pPr>
+            <a:lvl9pPr marL="3886200" indent="-228600" algn="l" defTabSz="914400" rtl="0" eaLnBrk="1" latinLnBrk="0" hangingPunct="1">
+              <a:lnSpc>
+                <a:spcPct val="90000"/>
+              </a:lnSpc>
+              <a:spcBef>
+                <a:spcPts val="500"/>
+              </a:spcBef>
+              <a:buFont typeface="Arial" panose="020B0604020202020204" pitchFamily="34" charset="0"/>
+              <a:buChar char="•"/>
+              <a:defRPr sz="1800" kern="1200">
+                <a:solidFill>
+                  <a:schemeClr val="tx1"/>
+                </a:solidFill>
+                <a:latin typeface="+mn-lt"/>
+                <a:ea typeface="+mn-ea"/>
+                <a:cs typeface="+mn-cs"/>
+              </a:defRPr>
+            </a:lvl9pPr>
+          </a:lstStyle>
+          <a:p>
+            <a:pPr marL="0" indent="0">
+              <a:buFont typeface="Arial" panose="020B0604020202020204" pitchFamily="34" charset="0"/>
+              <a:buNone/>
+            </a:pPr>
+            <a:r>
+              <a:rPr lang="es-MX" sz="1200" dirty="0">
+                <a:solidFill>
+                  <a:srgbClr val="D44102"/>
+                </a:solidFill>
+              </a:rPr>
+              <a:t>10%</a:t>
+            </a:r>
+          </a:p>
+        </p:txBody>
+      </p:sp>
+      <p:sp>
+        <p:nvSpPr>
+          <p:cNvPr id="65" name="Marcador de contenido 2">
+            <a:extLst>
+              <a:ext uri="{FF2B5EF4-FFF2-40B4-BE49-F238E27FC236}">
+                <a16:creationId xmlns:a16="http://schemas.microsoft.com/office/drawing/2014/main" id="{4040B223-B084-42FB-9894-4D0159DBCFF8}"/>
+              </a:ext>
+            </a:extLst>
+          </p:cNvPr>
+          <p:cNvSpPr txBox="1">
+            <a:spLocks/>
+          </p:cNvSpPr>
+          <p:nvPr/>
+        </p:nvSpPr>
+        <p:spPr>
+          <a:xfrm>
+            <a:off x="10683561" y="567490"/>
+            <a:ext cx="588422" cy="393486"/>
+          </a:xfrm>
+          <a:prstGeom prst="rect">
+            <a:avLst/>
+          </a:prstGeom>
+        </p:spPr>
+        <p:txBody>
+          <a:bodyPr vert="horz" lIns="91440" tIns="45720" rIns="91440" bIns="45720" rtlCol="0">
+            <a:normAutofit/>
+          </a:bodyPr>
+          <a:lstStyle>
+            <a:lvl1pPr marL="228600" indent="-228600" algn="l" defTabSz="914400" rtl="0" eaLnBrk="1" latinLnBrk="0" hangingPunct="1">
+              <a:lnSpc>
+                <a:spcPct val="90000"/>
+              </a:lnSpc>
+              <a:spcBef>
+                <a:spcPts val="1000"/>
+              </a:spcBef>
+              <a:buFont typeface="Arial" panose="020B0604020202020204" pitchFamily="34" charset="0"/>
+              <a:buChar char="•"/>
+              <a:defRPr sz="2800" kern="1200">
+                <a:solidFill>
+                  <a:schemeClr val="tx1"/>
+                </a:solidFill>
+                <a:latin typeface="+mn-lt"/>
+                <a:ea typeface="+mn-ea"/>
+                <a:cs typeface="+mn-cs"/>
+              </a:defRPr>
+            </a:lvl1pPr>
+            <a:lvl2pPr marL="685800" indent="-228600" algn="l" defTabSz="914400" rtl="0" eaLnBrk="1" latinLnBrk="0" hangingPunct="1">
+              <a:lnSpc>
+                <a:spcPct val="90000"/>
+              </a:lnSpc>
+              <a:spcBef>
+                <a:spcPts val="500"/>
+              </a:spcBef>
+              <a:buFont typeface="Arial" panose="020B0604020202020204" pitchFamily="34" charset="0"/>
+              <a:buChar char="•"/>
+              <a:defRPr sz="2400" kern="1200">
+                <a:solidFill>
+                  <a:schemeClr val="tx1"/>
+                </a:solidFill>
+                <a:latin typeface="+mn-lt"/>
+                <a:ea typeface="+mn-ea"/>
+                <a:cs typeface="+mn-cs"/>
+              </a:defRPr>
+            </a:lvl2pPr>
+            <a:lvl3pPr marL="1143000" indent="-228600" algn="l" defTabSz="914400" rtl="0" eaLnBrk="1" latinLnBrk="0" hangingPunct="1">
+              <a:lnSpc>
+                <a:spcPct val="90000"/>
+              </a:lnSpc>
+              <a:spcBef>
+                <a:spcPts val="500"/>
+              </a:spcBef>
+              <a:buFont typeface="Arial" panose="020B0604020202020204" pitchFamily="34" charset="0"/>
+              <a:buChar char="•"/>
+              <a:defRPr sz="2000" kern="1200">
+                <a:solidFill>
+                  <a:schemeClr val="tx1"/>
+                </a:solidFill>
+                <a:latin typeface="+mn-lt"/>
+                <a:ea typeface="+mn-ea"/>
+                <a:cs typeface="+mn-cs"/>
+              </a:defRPr>
+            </a:lvl3pPr>
+            <a:lvl4pPr marL="1600200" indent="-228600" algn="l" defTabSz="914400" rtl="0" eaLnBrk="1" latinLnBrk="0" hangingPunct="1">
+              <a:lnSpc>
+                <a:spcPct val="90000"/>
+              </a:lnSpc>
+              <a:spcBef>
+                <a:spcPts val="500"/>
+              </a:spcBef>
+              <a:buFont typeface="Arial" panose="020B0604020202020204" pitchFamily="34" charset="0"/>
+              <a:buChar char="•"/>
+              <a:defRPr sz="1800" kern="1200">
+                <a:solidFill>
+                  <a:schemeClr val="tx1"/>
+                </a:solidFill>
+                <a:latin typeface="+mn-lt"/>
+                <a:ea typeface="+mn-ea"/>
+                <a:cs typeface="+mn-cs"/>
+              </a:defRPr>
+            </a:lvl4pPr>
+            <a:lvl5pPr marL="2057400" indent="-228600" algn="l" defTabSz="914400" rtl="0" eaLnBrk="1" latinLnBrk="0" hangingPunct="1">
+              <a:lnSpc>
+                <a:spcPct val="90000"/>
+              </a:lnSpc>
+              <a:spcBef>
+                <a:spcPts val="500"/>
+              </a:spcBef>
+              <a:buFont typeface="Arial" panose="020B0604020202020204" pitchFamily="34" charset="0"/>
+              <a:buChar char="•"/>
+              <a:defRPr sz="1800" kern="1200">
+                <a:solidFill>
+                  <a:schemeClr val="tx1"/>
+                </a:solidFill>
+                <a:latin typeface="+mn-lt"/>
+                <a:ea typeface="+mn-ea"/>
+                <a:cs typeface="+mn-cs"/>
+              </a:defRPr>
+            </a:lvl5pPr>
+            <a:lvl6pPr marL="2514600" indent="-228600" algn="l" defTabSz="914400" rtl="0" eaLnBrk="1" latinLnBrk="0" hangingPunct="1">
+              <a:lnSpc>
+                <a:spcPct val="90000"/>
+              </a:lnSpc>
+              <a:spcBef>
+                <a:spcPts val="500"/>
+              </a:spcBef>
+              <a:buFont typeface="Arial" panose="020B0604020202020204" pitchFamily="34" charset="0"/>
+              <a:buChar char="•"/>
+              <a:defRPr sz="1800" kern="1200">
+                <a:solidFill>
+                  <a:schemeClr val="tx1"/>
+                </a:solidFill>
+                <a:latin typeface="+mn-lt"/>
+                <a:ea typeface="+mn-ea"/>
+                <a:cs typeface="+mn-cs"/>
+              </a:defRPr>
+            </a:lvl6pPr>
+            <a:lvl7pPr marL="2971800" indent="-228600" algn="l" defTabSz="914400" rtl="0" eaLnBrk="1" latinLnBrk="0" hangingPunct="1">
+              <a:lnSpc>
+                <a:spcPct val="90000"/>
+              </a:lnSpc>
+              <a:spcBef>
+                <a:spcPts val="500"/>
+              </a:spcBef>
+              <a:buFont typeface="Arial" panose="020B0604020202020204" pitchFamily="34" charset="0"/>
+              <a:buChar char="•"/>
+              <a:defRPr sz="1800" kern="1200">
+                <a:solidFill>
+                  <a:schemeClr val="tx1"/>
+                </a:solidFill>
+                <a:latin typeface="+mn-lt"/>
+                <a:ea typeface="+mn-ea"/>
+                <a:cs typeface="+mn-cs"/>
+              </a:defRPr>
+            </a:lvl7pPr>
+            <a:lvl8pPr marL="3429000" indent="-228600" algn="l" defTabSz="914400" rtl="0" eaLnBrk="1" latinLnBrk="0" hangingPunct="1">
+              <a:lnSpc>
+                <a:spcPct val="90000"/>
+              </a:lnSpc>
+              <a:spcBef>
+                <a:spcPts val="500"/>
+              </a:spcBef>
+              <a:buFont typeface="Arial" panose="020B0604020202020204" pitchFamily="34" charset="0"/>
+              <a:buChar char="•"/>
+              <a:defRPr sz="1800" kern="1200">
+                <a:solidFill>
+                  <a:schemeClr val="tx1"/>
+                </a:solidFill>
+                <a:latin typeface="+mn-lt"/>
+                <a:ea typeface="+mn-ea"/>
+                <a:cs typeface="+mn-cs"/>
+              </a:defRPr>
+            </a:lvl8pPr>
+            <a:lvl9pPr marL="3886200" indent="-228600" algn="l" defTabSz="914400" rtl="0" eaLnBrk="1" latinLnBrk="0" hangingPunct="1">
+              <a:lnSpc>
+                <a:spcPct val="90000"/>
+              </a:lnSpc>
+              <a:spcBef>
+                <a:spcPts val="500"/>
+              </a:spcBef>
+              <a:buFont typeface="Arial" panose="020B0604020202020204" pitchFamily="34" charset="0"/>
+              <a:buChar char="•"/>
+              <a:defRPr sz="1800" kern="1200">
+                <a:solidFill>
+                  <a:schemeClr val="tx1"/>
+                </a:solidFill>
+                <a:latin typeface="+mn-lt"/>
+                <a:ea typeface="+mn-ea"/>
+                <a:cs typeface="+mn-cs"/>
+              </a:defRPr>
+            </a:lvl9pPr>
+          </a:lstStyle>
+          <a:p>
+            <a:pPr marL="0" indent="0">
+              <a:buFont typeface="Arial" panose="020B0604020202020204" pitchFamily="34" charset="0"/>
+              <a:buNone/>
+            </a:pPr>
+            <a:r>
+              <a:rPr lang="es-MX" sz="1700" dirty="0">
+                <a:solidFill>
+                  <a:srgbClr val="264E59"/>
+                </a:solidFill>
+              </a:rPr>
+              <a:t>20%</a:t>
+            </a:r>
+          </a:p>
+        </p:txBody>
+      </p:sp>
+      <p:pic>
+        <p:nvPicPr>
+          <p:cNvPr id="57" name="Imagen 56">
+            <a:extLst>
+              <a:ext uri="{FF2B5EF4-FFF2-40B4-BE49-F238E27FC236}">
+                <a16:creationId xmlns:a16="http://schemas.microsoft.com/office/drawing/2014/main" id="{F3F21D8C-7624-465E-8D6A-DEB7DE80D688}"/>
+              </a:ext>
+            </a:extLst>
+          </p:cNvPr>
+          <p:cNvPicPr>
+            <a:picLocks noChangeAspect="1"/>
+          </p:cNvPicPr>
+          <p:nvPr/>
+        </p:nvPicPr>
+        <p:blipFill rotWithShape="1">
+          <a:blip r:embed="rId14">
+            <a:extLst>
+              <a:ext uri="{28A0092B-C50C-407E-A947-70E740481C1C}">
+                <a14:useLocalDpi xmlns:a14="http://schemas.microsoft.com/office/drawing/2010/main" val="0"/>
+              </a:ext>
+            </a:extLst>
+          </a:blip>
+          <a:srcRect l="4365"/>
+          <a:stretch/>
+        </p:blipFill>
+        <p:spPr>
+          <a:xfrm>
+            <a:off x="83231" y="4135521"/>
+            <a:ext cx="5366298" cy="2688300"/>
+          </a:xfrm>
+          <a:prstGeom prst="rect">
+            <a:avLst/>
+          </a:prstGeom>
+          <a:ln>
+            <a:solidFill>
+              <a:schemeClr val="accent1"/>
+            </a:solidFill>
+          </a:ln>
+        </p:spPr>
+      </p:pic>
+      <p:cxnSp>
+        <p:nvCxnSpPr>
+          <p:cNvPr id="67" name="Conector recto de flecha 66">
+            <a:extLst>
+              <a:ext uri="{FF2B5EF4-FFF2-40B4-BE49-F238E27FC236}">
+                <a16:creationId xmlns:a16="http://schemas.microsoft.com/office/drawing/2014/main" id="{31A4E42A-D0F7-425D-A70A-54DE58187C8B}"/>
+              </a:ext>
+            </a:extLst>
+          </p:cNvPr>
+          <p:cNvCxnSpPr>
+            <a:cxnSpLocks/>
+            <a:endCxn id="62" idx="3"/>
+          </p:cNvCxnSpPr>
+          <p:nvPr/>
+        </p:nvCxnSpPr>
+        <p:spPr>
+          <a:xfrm flipH="1">
+            <a:off x="8196185" y="6466441"/>
+            <a:ext cx="176290" cy="0"/>
+          </a:xfrm>
+          <a:prstGeom prst="straightConnector1">
+            <a:avLst/>
+          </a:prstGeom>
+          <a:ln>
+            <a:tailEnd type="triangle"/>
+          </a:ln>
+        </p:spPr>
+        <p:style>
+          <a:lnRef idx="1">
+            <a:schemeClr val="accent3"/>
+          </a:lnRef>
+          <a:fillRef idx="0">
+            <a:schemeClr val="accent3"/>
+          </a:fillRef>
+          <a:effectRef idx="0">
+            <a:schemeClr val="accent3"/>
+          </a:effectRef>
+          <a:fontRef idx="minor">
+            <a:schemeClr val="tx1"/>
+          </a:fontRef>
+        </p:style>
+      </p:cxnSp>
+      <p:pic>
+        <p:nvPicPr>
+          <p:cNvPr id="62" name="Imagen 61">
+            <a:extLst>
+              <a:ext uri="{FF2B5EF4-FFF2-40B4-BE49-F238E27FC236}">
+                <a16:creationId xmlns:a16="http://schemas.microsoft.com/office/drawing/2014/main" id="{768B6529-3A7C-4BED-857D-0787411D58D1}"/>
+              </a:ext>
+            </a:extLst>
+          </p:cNvPr>
+          <p:cNvPicPr>
+            <a:picLocks noChangeAspect="1"/>
+          </p:cNvPicPr>
+          <p:nvPr/>
+        </p:nvPicPr>
+        <p:blipFill rotWithShape="1">
+          <a:blip r:embed="rId15">
+            <a:extLst>
+              <a:ext uri="{28A0092B-C50C-407E-A947-70E740481C1C}">
+                <a14:useLocalDpi xmlns:a14="http://schemas.microsoft.com/office/drawing/2010/main" val="0"/>
+              </a:ext>
+            </a:extLst>
+          </a:blip>
+          <a:srcRect l="51311" t="72817" r="33277" b="17275"/>
+          <a:stretch/>
+        </p:blipFill>
+        <p:spPr>
+          <a:xfrm>
+            <a:off x="6561047" y="6142441"/>
+            <a:ext cx="1635138" cy="648000"/>
+          </a:xfrm>
+          <a:prstGeom prst="rect">
+            <a:avLst/>
+          </a:prstGeom>
+        </p:spPr>
+      </p:pic>
+      <p:cxnSp>
+        <p:nvCxnSpPr>
+          <p:cNvPr id="73" name="Conector: angular 72">
+            <a:extLst>
+              <a:ext uri="{FF2B5EF4-FFF2-40B4-BE49-F238E27FC236}">
+                <a16:creationId xmlns:a16="http://schemas.microsoft.com/office/drawing/2014/main" id="{6FE8A4D0-24F9-40DC-A108-33A865806CE0}"/>
+              </a:ext>
+            </a:extLst>
+          </p:cNvPr>
+          <p:cNvCxnSpPr>
+            <a:cxnSpLocks/>
+            <a:stCxn id="62" idx="1"/>
+          </p:cNvCxnSpPr>
+          <p:nvPr/>
+        </p:nvCxnSpPr>
+        <p:spPr>
+          <a:xfrm rot="10800000">
+            <a:off x="3762375" y="6353175"/>
+            <a:ext cx="2798672" cy="113266"/>
+          </a:xfrm>
+          <a:prstGeom prst="bentConnector3">
+            <a:avLst/>
+          </a:prstGeom>
+          <a:ln>
+            <a:tailEnd type="triangle"/>
+          </a:ln>
+        </p:spPr>
+        <p:style>
+          <a:lnRef idx="1">
+            <a:schemeClr val="accent1"/>
+          </a:lnRef>
+          <a:fillRef idx="0">
+            <a:schemeClr val="accent1"/>
+          </a:fillRef>
+          <a:effectRef idx="0">
+            <a:schemeClr val="accent1"/>
+          </a:effectRef>
+          <a:fontRef idx="minor">
+            <a:schemeClr val="tx1"/>
+          </a:fontRef>
+        </p:style>
+      </p:cxnSp>
+      <p:pic>
+        <p:nvPicPr>
+          <p:cNvPr id="1044" name="Picture 20" descr="Flask - Wikipedia, la enciclopedia libre">
+            <a:extLst>
+              <a:ext uri="{FF2B5EF4-FFF2-40B4-BE49-F238E27FC236}">
+                <a16:creationId xmlns:a16="http://schemas.microsoft.com/office/drawing/2014/main" id="{70F82797-C0E0-4392-94A6-0448EEE08AE1}"/>
+              </a:ext>
+            </a:extLst>
+          </p:cNvPr>
+          <p:cNvPicPr>
+            <a:picLocks noChangeAspect="1" noChangeArrowheads="1"/>
+          </p:cNvPicPr>
+          <p:nvPr/>
+        </p:nvPicPr>
+        <p:blipFill>
+          <a:blip r:embed="rId16">
+            <a:extLst>
+              <a:ext uri="{28A0092B-C50C-407E-A947-70E740481C1C}">
+                <a14:useLocalDpi xmlns:a14="http://schemas.microsoft.com/office/drawing/2010/main" val="0"/>
+              </a:ext>
+            </a:extLst>
+          </a:blip>
+          <a:srcRect/>
+          <a:stretch>
+            <a:fillRect/>
+          </a:stretch>
+        </p:blipFill>
+        <p:spPr bwMode="auto">
+          <a:xfrm>
+            <a:off x="2045738" y="5188014"/>
+            <a:ext cx="727402" cy="235405"/>
+          </a:xfrm>
+          <a:prstGeom prst="rect">
+            <a:avLst/>
+          </a:prstGeom>
+          <a:noFill/>
+          <a:extLst>
+            <a:ext uri="{909E8E84-426E-40DD-AFC4-6F175D3DCCD1}">
+              <a14:hiddenFill xmlns:a14="http://schemas.microsoft.com/office/drawing/2010/main">
+                <a:solidFill>
+                  <a:srgbClr val="FFFFFF"/>
+                </a:solidFill>
+              </a14:hiddenFill>
+            </a:ext>
+          </a:extLst>
+        </p:spPr>
+      </p:pic>
+      <p:pic>
+        <p:nvPicPr>
+          <p:cNvPr id="1046" name="Picture 22" descr="Diseño Web (HTML5, CSS, JS) ~ Bienvenido Aprendamos Juntos">
+            <a:extLst>
+              <a:ext uri="{FF2B5EF4-FFF2-40B4-BE49-F238E27FC236}">
+                <a16:creationId xmlns:a16="http://schemas.microsoft.com/office/drawing/2014/main" id="{26360320-DAFC-438C-80AF-B20E604A1C7A}"/>
+              </a:ext>
+            </a:extLst>
+          </p:cNvPr>
+          <p:cNvPicPr>
+            <a:picLocks noChangeAspect="1" noChangeArrowheads="1"/>
+          </p:cNvPicPr>
+          <p:nvPr/>
+        </p:nvPicPr>
+        <p:blipFill>
+          <a:blip r:embed="rId17">
+            <a:extLst>
+              <a:ext uri="{28A0092B-C50C-407E-A947-70E740481C1C}">
+                <a14:useLocalDpi xmlns:a14="http://schemas.microsoft.com/office/drawing/2010/main" val="0"/>
+              </a:ext>
+            </a:extLst>
+          </a:blip>
+          <a:srcRect/>
+          <a:stretch>
+            <a:fillRect/>
+          </a:stretch>
+        </p:blipFill>
+        <p:spPr bwMode="auto">
+          <a:xfrm>
+            <a:off x="3365886" y="4073806"/>
+            <a:ext cx="894261" cy="523981"/>
+          </a:xfrm>
+          <a:prstGeom prst="rect">
+            <a:avLst/>
+          </a:prstGeom>
+          <a:noFill/>
+          <a:extLst>
+            <a:ext uri="{909E8E84-426E-40DD-AFC4-6F175D3DCCD1}">
+              <a14:hiddenFill xmlns:a14="http://schemas.microsoft.com/office/drawing/2010/main">
+                <a:solidFill>
+                  <a:srgbClr val="FFFFFF"/>
+                </a:solidFill>
+              </a14:hiddenFill>
+            </a:ext>
+          </a:extLst>
+        </p:spPr>
+      </p:pic>
+      <p:pic>
+        <p:nvPicPr>
+          <p:cNvPr id="1054" name="Picture 30" descr="True/False Question | H5P">
+            <a:extLst>
+              <a:ext uri="{FF2B5EF4-FFF2-40B4-BE49-F238E27FC236}">
+                <a16:creationId xmlns:a16="http://schemas.microsoft.com/office/drawing/2014/main" id="{56E13F6F-4134-4A6C-A7B8-B8B8EE1E689E}"/>
+              </a:ext>
+            </a:extLst>
+          </p:cNvPr>
+          <p:cNvPicPr>
+            <a:picLocks noChangeAspect="1" noChangeArrowheads="1"/>
+          </p:cNvPicPr>
+          <p:nvPr/>
+        </p:nvPicPr>
+        <p:blipFill rotWithShape="1">
+          <a:blip r:embed="rId18">
+            <a:extLst>
+              <a:ext uri="{28A0092B-C50C-407E-A947-70E740481C1C}">
+                <a14:useLocalDpi xmlns:a14="http://schemas.microsoft.com/office/drawing/2010/main" val="0"/>
+              </a:ext>
+            </a:extLst>
+          </a:blip>
+          <a:srcRect l="13060" t="6438" r="12308" b="9418"/>
+          <a:stretch/>
+        </p:blipFill>
+        <p:spPr bwMode="auto">
+          <a:xfrm>
+            <a:off x="3762374" y="5902763"/>
+            <a:ext cx="434921" cy="367757"/>
+          </a:xfrm>
+          <a:prstGeom prst="rect">
+            <a:avLst/>
+          </a:prstGeom>
+          <a:noFill/>
+          <a:extLst>
+            <a:ext uri="{909E8E84-426E-40DD-AFC4-6F175D3DCCD1}">
+              <a14:hiddenFill xmlns:a14="http://schemas.microsoft.com/office/drawing/2010/main">
+                <a:solidFill>
+                  <a:srgbClr val="FFFFFF"/>
+                </a:solidFill>
+              </a14:hiddenFill>
+            </a:ext>
+          </a:extLst>
+        </p:spPr>
+      </p:pic>
+      <p:pic>
+        <p:nvPicPr>
+          <p:cNvPr id="4098" name="Picture 2" descr="Step 1 Images – Browse 512,945 Stock Photos, Vectors, and Video | Adobe  Stock">
+            <a:extLst>
+              <a:ext uri="{FF2B5EF4-FFF2-40B4-BE49-F238E27FC236}">
+                <a16:creationId xmlns:a16="http://schemas.microsoft.com/office/drawing/2014/main" id="{E38E6ABB-936F-4B4D-971A-4E08411E5E5E}"/>
+              </a:ext>
+            </a:extLst>
+          </p:cNvPr>
+          <p:cNvPicPr>
+            <a:picLocks noChangeAspect="1" noChangeArrowheads="1"/>
+          </p:cNvPicPr>
+          <p:nvPr/>
+        </p:nvPicPr>
+        <p:blipFill rotWithShape="1">
+          <a:blip r:embed="rId19">
+            <a:extLst>
+              <a:ext uri="{28A0092B-C50C-407E-A947-70E740481C1C}">
+                <a14:useLocalDpi xmlns:a14="http://schemas.microsoft.com/office/drawing/2010/main" val="0"/>
+              </a:ext>
+            </a:extLst>
+          </a:blip>
+          <a:srcRect l="25694" t="7083" r="17351" b="67210"/>
+          <a:stretch/>
+        </p:blipFill>
+        <p:spPr bwMode="auto">
+          <a:xfrm>
+            <a:off x="194605" y="3058775"/>
+            <a:ext cx="1430357" cy="645606"/>
+          </a:xfrm>
+          <a:prstGeom prst="rect">
+            <a:avLst/>
+          </a:prstGeom>
+          <a:noFill/>
+          <a:extLst>
+            <a:ext uri="{909E8E84-426E-40DD-AFC4-6F175D3DCCD1}">
+              <a14:hiddenFill xmlns:a14="http://schemas.microsoft.com/office/drawing/2010/main">
+                <a:solidFill>
+                  <a:srgbClr val="FFFFFF"/>
+                </a:solidFill>
+              </a14:hiddenFill>
+            </a:ext>
+          </a:extLst>
+        </p:spPr>
+      </p:pic>
+      <p:pic>
+        <p:nvPicPr>
+          <p:cNvPr id="35" name="Picture 2" descr="Step 1 Images – Browse 512,945 Stock Photos, Vectors, and Video | Adobe  Stock">
+            <a:extLst>
+              <a:ext uri="{FF2B5EF4-FFF2-40B4-BE49-F238E27FC236}">
+                <a16:creationId xmlns:a16="http://schemas.microsoft.com/office/drawing/2014/main" id="{D7C87E4C-0539-461C-9D33-60F46FB439EF}"/>
+              </a:ext>
+            </a:extLst>
+          </p:cNvPr>
+          <p:cNvPicPr>
+            <a:picLocks noChangeAspect="1" noChangeArrowheads="1"/>
+          </p:cNvPicPr>
+          <p:nvPr/>
+        </p:nvPicPr>
+        <p:blipFill rotWithShape="1">
+          <a:blip r:embed="rId19">
+            <a:extLst>
+              <a:ext uri="{28A0092B-C50C-407E-A947-70E740481C1C}">
+                <a14:useLocalDpi xmlns:a14="http://schemas.microsoft.com/office/drawing/2010/main" val="0"/>
+              </a:ext>
+            </a:extLst>
+          </a:blip>
+          <a:srcRect l="25924" t="36732" r="15646" b="36367"/>
+          <a:stretch/>
+        </p:blipFill>
+        <p:spPr bwMode="auto">
+          <a:xfrm>
+            <a:off x="6561047" y="24426"/>
+            <a:ext cx="1236474" cy="569279"/>
+          </a:xfrm>
+          <a:prstGeom prst="rect">
+            <a:avLst/>
+          </a:prstGeom>
+          <a:noFill/>
+          <a:extLst>
+            <a:ext uri="{909E8E84-426E-40DD-AFC4-6F175D3DCCD1}">
+              <a14:hiddenFill xmlns:a14="http://schemas.microsoft.com/office/drawing/2010/main">
+                <a:solidFill>
+                  <a:srgbClr val="FFFFFF"/>
+                </a:solidFill>
+              </a14:hiddenFill>
+            </a:ext>
+          </a:extLst>
+        </p:spPr>
+      </p:pic>
+      <p:pic>
+        <p:nvPicPr>
+          <p:cNvPr id="36" name="Picture 2" descr="Step 1 Images – Browse 512,945 Stock Photos, Vectors, and Video | Adobe  Stock">
+            <a:extLst>
+              <a:ext uri="{FF2B5EF4-FFF2-40B4-BE49-F238E27FC236}">
+                <a16:creationId xmlns:a16="http://schemas.microsoft.com/office/drawing/2014/main" id="{7717FB8F-E046-4722-953C-4B66B62CFBDC}"/>
+              </a:ext>
+            </a:extLst>
+          </p:cNvPr>
+          <p:cNvPicPr>
+            <a:picLocks noChangeAspect="1" noChangeArrowheads="1"/>
+          </p:cNvPicPr>
+          <p:nvPr/>
+        </p:nvPicPr>
+        <p:blipFill rotWithShape="1">
+          <a:blip r:embed="rId19">
+            <a:extLst>
+              <a:ext uri="{28A0092B-C50C-407E-A947-70E740481C1C}">
+                <a14:useLocalDpi xmlns:a14="http://schemas.microsoft.com/office/drawing/2010/main" val="0"/>
+              </a:ext>
+            </a:extLst>
+          </a:blip>
+          <a:srcRect l="26041" t="64220" r="16695" b="8889"/>
+          <a:stretch/>
+        </p:blipFill>
+        <p:spPr bwMode="auto">
+          <a:xfrm>
+            <a:off x="146435" y="6223392"/>
+            <a:ext cx="1218886" cy="572400"/>
+          </a:xfrm>
+          <a:prstGeom prst="rect">
+            <a:avLst/>
+          </a:prstGeom>
+          <a:noFill/>
+          <a:extLst>
+            <a:ext uri="{909E8E84-426E-40DD-AFC4-6F175D3DCCD1}">
+              <a14:hiddenFill xmlns:a14="http://schemas.microsoft.com/office/drawing/2010/main">
+                <a:solidFill>
+                  <a:srgbClr val="FFFFFF"/>
+                </a:solidFill>
+              </a14:hiddenFill>
+            </a:ext>
+          </a:extLst>
+        </p:spPr>
+      </p:pic>
+      <p:pic>
+        <p:nvPicPr>
+          <p:cNvPr id="5122" name="Picture 2" descr="Browser - Free seo and web icons">
+            <a:extLst>
+              <a:ext uri="{FF2B5EF4-FFF2-40B4-BE49-F238E27FC236}">
+                <a16:creationId xmlns:a16="http://schemas.microsoft.com/office/drawing/2014/main" id="{24FC662C-9F30-4786-8AA4-CDFAD06BFFEB}"/>
+              </a:ext>
+            </a:extLst>
+          </p:cNvPr>
+          <p:cNvPicPr>
+            <a:picLocks noChangeAspect="1" noChangeArrowheads="1"/>
+          </p:cNvPicPr>
+          <p:nvPr/>
+        </p:nvPicPr>
+        <p:blipFill>
+          <a:blip r:embed="rId20">
+            <a:extLst>
+              <a:ext uri="{28A0092B-C50C-407E-A947-70E740481C1C}">
+                <a14:useLocalDpi xmlns:a14="http://schemas.microsoft.com/office/drawing/2010/main" val="0"/>
+              </a:ext>
+            </a:extLst>
+          </a:blip>
+          <a:srcRect/>
+          <a:stretch>
+            <a:fillRect/>
+          </a:stretch>
+        </p:blipFill>
+        <p:spPr bwMode="auto">
+          <a:xfrm>
+            <a:off x="1345828" y="4403262"/>
+            <a:ext cx="389049" cy="389049"/>
+          </a:xfrm>
+          <a:prstGeom prst="rect">
+            <a:avLst/>
+          </a:prstGeom>
+          <a:noFill/>
+          <a:extLst>
+            <a:ext uri="{909E8E84-426E-40DD-AFC4-6F175D3DCCD1}">
+              <a14:hiddenFill xmlns:a14="http://schemas.microsoft.com/office/drawing/2010/main">
+                <a:solidFill>
+                  <a:srgbClr val="FFFFFF"/>
+                </a:solidFill>
+              </a14:hiddenFill>
+            </a:ext>
+          </a:extLst>
+        </p:spPr>
+      </p:pic>
+      <p:sp>
+        <p:nvSpPr>
+          <p:cNvPr id="37" name="Marcador de contenido 2">
+            <a:extLst>
+              <a:ext uri="{FF2B5EF4-FFF2-40B4-BE49-F238E27FC236}">
+                <a16:creationId xmlns:a16="http://schemas.microsoft.com/office/drawing/2014/main" id="{D80CC176-DB0E-4B8E-BE32-0A48229AD171}"/>
+              </a:ext>
+            </a:extLst>
+          </p:cNvPr>
+          <p:cNvSpPr txBox="1">
+            <a:spLocks/>
+          </p:cNvSpPr>
+          <p:nvPr/>
+        </p:nvSpPr>
+        <p:spPr>
+          <a:xfrm>
+            <a:off x="74191" y="4379955"/>
+            <a:ext cx="389049" cy="230439"/>
+          </a:xfrm>
+          <a:prstGeom prst="rect">
+            <a:avLst/>
+          </a:prstGeom>
+        </p:spPr>
+        <p:txBody>
+          <a:bodyPr vert="horz" lIns="91440" tIns="45720" rIns="91440" bIns="45720" rtlCol="0">
+            <a:normAutofit fontScale="70000" lnSpcReduction="20000"/>
+          </a:bodyPr>
+          <a:lstStyle>
+            <a:lvl1pPr marL="228600" indent="-228600" algn="l" defTabSz="914400" rtl="0" eaLnBrk="1" latinLnBrk="0" hangingPunct="1">
+              <a:lnSpc>
+                <a:spcPct val="90000"/>
+              </a:lnSpc>
+              <a:spcBef>
+                <a:spcPts val="1000"/>
+              </a:spcBef>
+              <a:buFont typeface="Arial" panose="020B0604020202020204" pitchFamily="34" charset="0"/>
+              <a:buChar char="•"/>
+              <a:defRPr sz="2800" kern="1200">
+                <a:solidFill>
+                  <a:schemeClr val="tx1"/>
+                </a:solidFill>
+                <a:latin typeface="+mn-lt"/>
+                <a:ea typeface="+mn-ea"/>
+                <a:cs typeface="+mn-cs"/>
+              </a:defRPr>
+            </a:lvl1pPr>
+            <a:lvl2pPr marL="685800" indent="-228600" algn="l" defTabSz="914400" rtl="0" eaLnBrk="1" latinLnBrk="0" hangingPunct="1">
+              <a:lnSpc>
+                <a:spcPct val="90000"/>
+              </a:lnSpc>
+              <a:spcBef>
+                <a:spcPts val="500"/>
+              </a:spcBef>
+              <a:buFont typeface="Arial" panose="020B0604020202020204" pitchFamily="34" charset="0"/>
+              <a:buChar char="•"/>
+              <a:defRPr sz="2400" kern="1200">
+                <a:solidFill>
+                  <a:schemeClr val="tx1"/>
+                </a:solidFill>
+                <a:latin typeface="+mn-lt"/>
+                <a:ea typeface="+mn-ea"/>
+                <a:cs typeface="+mn-cs"/>
+              </a:defRPr>
+            </a:lvl2pPr>
+            <a:lvl3pPr marL="1143000" indent="-228600" algn="l" defTabSz="914400" rtl="0" eaLnBrk="1" latinLnBrk="0" hangingPunct="1">
+              <a:lnSpc>
+                <a:spcPct val="90000"/>
+              </a:lnSpc>
+              <a:spcBef>
+                <a:spcPts val="500"/>
+              </a:spcBef>
+              <a:buFont typeface="Arial" panose="020B0604020202020204" pitchFamily="34" charset="0"/>
+              <a:buChar char="•"/>
+              <a:defRPr sz="2000" kern="1200">
+                <a:solidFill>
+                  <a:schemeClr val="tx1"/>
+                </a:solidFill>
+                <a:latin typeface="+mn-lt"/>
+                <a:ea typeface="+mn-ea"/>
+                <a:cs typeface="+mn-cs"/>
+              </a:defRPr>
+            </a:lvl3pPr>
+            <a:lvl4pPr marL="1600200" indent="-228600" algn="l" defTabSz="914400" rtl="0" eaLnBrk="1" latinLnBrk="0" hangingPunct="1">
+              <a:lnSpc>
+                <a:spcPct val="90000"/>
+              </a:lnSpc>
+              <a:spcBef>
+                <a:spcPts val="500"/>
+              </a:spcBef>
+              <a:buFont typeface="Arial" panose="020B0604020202020204" pitchFamily="34" charset="0"/>
+              <a:buChar char="•"/>
+              <a:defRPr sz="1800" kern="1200">
+                <a:solidFill>
+                  <a:schemeClr val="tx1"/>
+                </a:solidFill>
+                <a:latin typeface="+mn-lt"/>
+                <a:ea typeface="+mn-ea"/>
+                <a:cs typeface="+mn-cs"/>
+              </a:defRPr>
+            </a:lvl4pPr>
+            <a:lvl5pPr marL="2057400" indent="-228600" algn="l" defTabSz="914400" rtl="0" eaLnBrk="1" latinLnBrk="0" hangingPunct="1">
+              <a:lnSpc>
+                <a:spcPct val="90000"/>
+              </a:lnSpc>
+              <a:spcBef>
+                <a:spcPts val="500"/>
+              </a:spcBef>
+              <a:buFont typeface="Arial" panose="020B0604020202020204" pitchFamily="34" charset="0"/>
+              <a:buChar char="•"/>
+              <a:defRPr sz="1800" kern="1200">
+                <a:solidFill>
+                  <a:schemeClr val="tx1"/>
+                </a:solidFill>
+                <a:latin typeface="+mn-lt"/>
+                <a:ea typeface="+mn-ea"/>
+                <a:cs typeface="+mn-cs"/>
+              </a:defRPr>
+            </a:lvl5pPr>
+            <a:lvl6pPr marL="2514600" indent="-228600" algn="l" defTabSz="914400" rtl="0" eaLnBrk="1" latinLnBrk="0" hangingPunct="1">
+              <a:lnSpc>
+                <a:spcPct val="90000"/>
+              </a:lnSpc>
+              <a:spcBef>
+                <a:spcPts val="500"/>
+              </a:spcBef>
+              <a:buFont typeface="Arial" panose="020B0604020202020204" pitchFamily="34" charset="0"/>
+              <a:buChar char="•"/>
+              <a:defRPr sz="1800" kern="1200">
+                <a:solidFill>
+                  <a:schemeClr val="tx1"/>
+                </a:solidFill>
+                <a:latin typeface="+mn-lt"/>
+                <a:ea typeface="+mn-ea"/>
+                <a:cs typeface="+mn-cs"/>
+              </a:defRPr>
+            </a:lvl6pPr>
+            <a:lvl7pPr marL="2971800" indent="-228600" algn="l" defTabSz="914400" rtl="0" eaLnBrk="1" latinLnBrk="0" hangingPunct="1">
+              <a:lnSpc>
+                <a:spcPct val="90000"/>
+              </a:lnSpc>
+              <a:spcBef>
+                <a:spcPts val="500"/>
+              </a:spcBef>
+              <a:buFont typeface="Arial" panose="020B0604020202020204" pitchFamily="34" charset="0"/>
+              <a:buChar char="•"/>
+              <a:defRPr sz="1800" kern="1200">
+                <a:solidFill>
+                  <a:schemeClr val="tx1"/>
+                </a:solidFill>
+                <a:latin typeface="+mn-lt"/>
+                <a:ea typeface="+mn-ea"/>
+                <a:cs typeface="+mn-cs"/>
+              </a:defRPr>
+            </a:lvl7pPr>
+            <a:lvl8pPr marL="3429000" indent="-228600" algn="l" defTabSz="914400" rtl="0" eaLnBrk="1" latinLnBrk="0" hangingPunct="1">
+              <a:lnSpc>
+                <a:spcPct val="90000"/>
+              </a:lnSpc>
+              <a:spcBef>
+                <a:spcPts val="500"/>
+              </a:spcBef>
+              <a:buFont typeface="Arial" panose="020B0604020202020204" pitchFamily="34" charset="0"/>
+              <a:buChar char="•"/>
+              <a:defRPr sz="1800" kern="1200">
+                <a:solidFill>
+                  <a:schemeClr val="tx1"/>
+                </a:solidFill>
+                <a:latin typeface="+mn-lt"/>
+                <a:ea typeface="+mn-ea"/>
+                <a:cs typeface="+mn-cs"/>
+              </a:defRPr>
+            </a:lvl8pPr>
+            <a:lvl9pPr marL="3886200" indent="-228600" algn="l" defTabSz="914400" rtl="0" eaLnBrk="1" latinLnBrk="0" hangingPunct="1">
+              <a:lnSpc>
+                <a:spcPct val="90000"/>
+              </a:lnSpc>
+              <a:spcBef>
+                <a:spcPts val="500"/>
+              </a:spcBef>
+              <a:buFont typeface="Arial" panose="020B0604020202020204" pitchFamily="34" charset="0"/>
+              <a:buChar char="•"/>
+              <a:defRPr sz="1800" kern="1200">
+                <a:solidFill>
+                  <a:schemeClr val="tx1"/>
+                </a:solidFill>
+                <a:latin typeface="+mn-lt"/>
+                <a:ea typeface="+mn-ea"/>
+                <a:cs typeface="+mn-cs"/>
+              </a:defRPr>
+            </a:lvl9pPr>
+          </a:lstStyle>
+          <a:p>
+            <a:pPr marL="0" indent="0">
+              <a:buFont typeface="Arial" panose="020B0604020202020204" pitchFamily="34" charset="0"/>
+              <a:buNone/>
+            </a:pPr>
+            <a:r>
+              <a:rPr lang="es-MX" sz="1100" dirty="0" err="1">
+                <a:solidFill>
+                  <a:srgbClr val="7030A0"/>
+                </a:solidFill>
+              </a:rPr>
+              <a:t>User</a:t>
+            </a:r>
+            <a:endParaRPr lang="es-MX" sz="1100" dirty="0">
+              <a:solidFill>
+                <a:srgbClr val="7030A0"/>
+              </a:solidFill>
+            </a:endParaRPr>
+          </a:p>
+        </p:txBody>
+      </p:sp>
+    </p:spTree>
+    <p:extLst>
+      <p:ext uri="{BB962C8B-B14F-4D97-AF65-F5344CB8AC3E}">
+        <p14:creationId xmlns:p14="http://schemas.microsoft.com/office/powerpoint/2010/main" val="854304995"/>
+      </p:ext>
+    </p:extLst>
+  </p:cSld>
+  <p:clrMapOvr>
+    <a:masterClrMapping/>
+  </p:clrMapOvr>
+</p:sld>
+</file>
+
+<file path=ppt/slides/slide9.xml><?xml version="1.0" encoding="utf-8"?>
+<p:sld xmlns:a="http://schemas.openxmlformats.org/drawingml/2006/main" xmlns:r="http://schemas.openxmlformats.org/officeDocument/2006/relationships" xmlns:p="http://schemas.openxmlformats.org/presentationml/2006/main">
+  <p:cSld>
+    <p:spTree>
+      <p:nvGrpSpPr>
+        <p:cNvPr id="1" name=""/>
+        <p:cNvGrpSpPr/>
+        <p:nvPr/>
+      </p:nvGrpSpPr>
+      <p:grpSpPr>
+        <a:xfrm>
+          <a:off x="0" y="0"/>
+          <a:ext cx="0" cy="0"/>
+          <a:chOff x="0" y="0"/>
+          <a:chExt cx="0" cy="0"/>
+        </a:xfrm>
+      </p:grpSpPr>
       <p:sp>
         <p:nvSpPr>
           <p:cNvPr id="2" name="Título 1">

--- a/MDPI_template/MDPI_template/Figures/figura1.pptx
+++ b/MDPI_template/MDPI_template/Figures/figura1.pptx
@@ -118,6 +118,725 @@
     </p:ext>
   </p:extLst>
 </p:presentation>
+</file>
+
+<file path=ppt/charts/chart1.xml><?xml version="1.0" encoding="utf-8"?>
+<c:chartSpace xmlns:c="http://schemas.openxmlformats.org/drawingml/2006/chart" xmlns:a="http://schemas.openxmlformats.org/drawingml/2006/main" xmlns:r="http://schemas.openxmlformats.org/officeDocument/2006/relationships" xmlns:c16r2="http://schemas.microsoft.com/office/drawing/2015/06/chart">
+  <c:date1904 val="0"/>
+  <c:lang val="es-ES"/>
+  <c:roundedCorners val="0"/>
+  <mc:AlternateContent xmlns:mc="http://schemas.openxmlformats.org/markup-compatibility/2006">
+    <mc:Choice xmlns:c14="http://schemas.microsoft.com/office/drawing/2007/8/2/chart" Requires="c14">
+      <c14:style val="102"/>
+    </mc:Choice>
+    <mc:Fallback>
+      <c:style val="2"/>
+    </mc:Fallback>
+  </mc:AlternateContent>
+  <c:chart>
+    <c:autoTitleDeleted val="1"/>
+    <c:plotArea>
+      <c:layout>
+        <c:manualLayout>
+          <c:layoutTarget val="inner"/>
+          <c:xMode val="edge"/>
+          <c:yMode val="edge"/>
+          <c:x val="0.26693058897268446"/>
+          <c:y val="7.6600357238561428E-2"/>
+          <c:w val="0.71264603004508786"/>
+          <c:h val="0.75925602010737836"/>
+        </c:manualLayout>
+      </c:layout>
+      <c:pieChart>
+        <c:varyColors val="1"/>
+        <c:ser>
+          <c:idx val="0"/>
+          <c:order val="0"/>
+          <c:explosion val="6"/>
+          <c:dPt>
+            <c:idx val="0"/>
+            <c:bubble3D val="0"/>
+            <c:spPr>
+              <a:solidFill>
+                <a:srgbClr val="006BCC"/>
+              </a:solidFill>
+              <a:ln w="19050">
+                <a:solidFill>
+                  <a:schemeClr val="lt1"/>
+                </a:solidFill>
+              </a:ln>
+              <a:effectLst/>
+            </c:spPr>
+            <c:extLst>
+              <c:ext xmlns:c16="http://schemas.microsoft.com/office/drawing/2014/chart" uri="{C3380CC4-5D6E-409C-BE32-E72D297353CC}">
+                <c16:uniqueId val="{00000001-0818-499A-8ECA-17D5A9C52A6C}"/>
+              </c:ext>
+            </c:extLst>
+          </c:dPt>
+          <c:dPt>
+            <c:idx val="1"/>
+            <c:bubble3D val="0"/>
+            <c:spPr>
+              <a:solidFill>
+                <a:srgbClr val="660066"/>
+              </a:solidFill>
+              <a:ln w="19050">
+                <a:solidFill>
+                  <a:schemeClr val="lt1"/>
+                </a:solidFill>
+              </a:ln>
+              <a:effectLst/>
+            </c:spPr>
+            <c:extLst>
+              <c:ext xmlns:c16="http://schemas.microsoft.com/office/drawing/2014/chart" uri="{C3380CC4-5D6E-409C-BE32-E72D297353CC}">
+                <c16:uniqueId val="{00000003-0818-499A-8ECA-17D5A9C52A6C}"/>
+              </c:ext>
+            </c:extLst>
+          </c:dPt>
+          <c:dPt>
+            <c:idx val="2"/>
+            <c:bubble3D val="0"/>
+            <c:spPr>
+              <a:solidFill>
+                <a:srgbClr val="F1C1F0"/>
+              </a:solidFill>
+              <a:ln w="19050">
+                <a:solidFill>
+                  <a:schemeClr val="lt1"/>
+                </a:solidFill>
+              </a:ln>
+              <a:effectLst/>
+            </c:spPr>
+            <c:extLst>
+              <c:ext xmlns:c16="http://schemas.microsoft.com/office/drawing/2014/chart" uri="{C3380CC4-5D6E-409C-BE32-E72D297353CC}">
+                <c16:uniqueId val="{00000005-0818-499A-8ECA-17D5A9C52A6C}"/>
+              </c:ext>
+            </c:extLst>
+          </c:dPt>
+          <c:val>
+            <c:numRef>
+              <c:f>Hoja1!$A$1:$A$3</c:f>
+              <c:numCache>
+                <c:formatCode>General</c:formatCode>
+                <c:ptCount val="3"/>
+                <c:pt idx="0">
+                  <c:v>70</c:v>
+                </c:pt>
+                <c:pt idx="1">
+                  <c:v>20</c:v>
+                </c:pt>
+                <c:pt idx="2">
+                  <c:v>10</c:v>
+                </c:pt>
+              </c:numCache>
+            </c:numRef>
+          </c:val>
+          <c:extLst>
+            <c:ext xmlns:c16="http://schemas.microsoft.com/office/drawing/2014/chart" uri="{C3380CC4-5D6E-409C-BE32-E72D297353CC}">
+              <c16:uniqueId val="{00000006-0818-499A-8ECA-17D5A9C52A6C}"/>
+            </c:ext>
+          </c:extLst>
+        </c:ser>
+        <c:dLbls>
+          <c:showLegendKey val="0"/>
+          <c:showVal val="0"/>
+          <c:showCatName val="0"/>
+          <c:showSerName val="0"/>
+          <c:showPercent val="0"/>
+          <c:showBubbleSize val="0"/>
+          <c:showLeaderLines val="1"/>
+        </c:dLbls>
+        <c:firstSliceAng val="0"/>
+      </c:pieChart>
+      <c:spPr>
+        <a:noFill/>
+        <a:ln>
+          <a:noFill/>
+        </a:ln>
+        <a:effectLst/>
+      </c:spPr>
+    </c:plotArea>
+    <c:plotVisOnly val="1"/>
+    <c:dispBlanksAs val="gap"/>
+    <c:showDLblsOverMax val="0"/>
+  </c:chart>
+  <c:spPr>
+    <a:noFill/>
+    <a:ln>
+      <a:noFill/>
+    </a:ln>
+    <a:effectLst/>
+  </c:spPr>
+  <c:txPr>
+    <a:bodyPr/>
+    <a:lstStyle/>
+    <a:p>
+      <a:pPr>
+        <a:defRPr/>
+      </a:pPr>
+      <a:endParaRPr lang="es-MX"/>
+    </a:p>
+  </c:txPr>
+  <c:externalData r:id="rId3">
+    <c:autoUpdate val="0"/>
+  </c:externalData>
+</c:chartSpace>
+</file>
+
+<file path=ppt/charts/colors1.xml><?xml version="1.0" encoding="utf-8"?>
+<cs:colorStyle xmlns:cs="http://schemas.microsoft.com/office/drawing/2012/chartStyle" xmlns:a="http://schemas.openxmlformats.org/drawingml/2006/main" meth="cycle" id="13">
+  <a:schemeClr val="accent6"/>
+  <a:schemeClr val="accent5"/>
+  <a:schemeClr val="accent4"/>
+  <cs:variation/>
+  <cs:variation>
+    <a:lumMod val="60000"/>
+  </cs:variation>
+  <cs:variation>
+    <a:lumMod val="80000"/>
+    <a:lumOff val="20000"/>
+  </cs:variation>
+  <cs:variation>
+    <a:lumMod val="80000"/>
+  </cs:variation>
+  <cs:variation>
+    <a:lumMod val="60000"/>
+    <a:lumOff val="40000"/>
+  </cs:variation>
+  <cs:variation>
+    <a:lumMod val="50000"/>
+  </cs:variation>
+  <cs:variation>
+    <a:lumMod val="70000"/>
+    <a:lumOff val="30000"/>
+  </cs:variation>
+  <cs:variation>
+    <a:lumMod val="70000"/>
+  </cs:variation>
+  <cs:variation>
+    <a:lumMod val="50000"/>
+    <a:lumOff val="50000"/>
+  </cs:variation>
+</cs:colorStyle>
+</file>
+
+<file path=ppt/charts/style1.xml><?xml version="1.0" encoding="utf-8"?>
+<cs:chartStyle xmlns:cs="http://schemas.microsoft.com/office/drawing/2012/chartStyle" xmlns:a="http://schemas.openxmlformats.org/drawingml/2006/main" id="251">
+  <cs:axisTitle>
+    <cs:lnRef idx="0"/>
+    <cs:fillRef idx="0"/>
+    <cs:effectRef idx="0"/>
+    <cs:fontRef idx="minor">
+      <a:schemeClr val="tx1">
+        <a:lumMod val="65000"/>
+        <a:lumOff val="35000"/>
+      </a:schemeClr>
+    </cs:fontRef>
+    <cs:defRPr sz="1000" kern="1200"/>
+  </cs:axisTitle>
+  <cs:categoryAxis>
+    <cs:lnRef idx="0"/>
+    <cs:fillRef idx="0"/>
+    <cs:effectRef idx="0"/>
+    <cs:fontRef idx="minor">
+      <a:schemeClr val="tx1">
+        <a:lumMod val="65000"/>
+        <a:lumOff val="35000"/>
+      </a:schemeClr>
+    </cs:fontRef>
+    <cs:spPr>
+      <a:ln w="9525" cap="flat" cmpd="sng" algn="ctr">
+        <a:solidFill>
+          <a:schemeClr val="tx1">
+            <a:lumMod val="15000"/>
+            <a:lumOff val="85000"/>
+          </a:schemeClr>
+        </a:solidFill>
+        <a:round/>
+      </a:ln>
+    </cs:spPr>
+    <cs:defRPr sz="900" kern="1200"/>
+  </cs:categoryAxis>
+  <cs:chartArea mods="allowNoFillOverride allowNoLineOverride">
+    <cs:lnRef idx="0"/>
+    <cs:fillRef idx="0"/>
+    <cs:effectRef idx="0"/>
+    <cs:fontRef idx="minor">
+      <a:schemeClr val="tx1"/>
+    </cs:fontRef>
+    <cs:spPr>
+      <a:solidFill>
+        <a:schemeClr val="bg1"/>
+      </a:solidFill>
+      <a:ln w="9525" cap="flat" cmpd="sng" algn="ctr">
+        <a:solidFill>
+          <a:schemeClr val="tx1">
+            <a:lumMod val="15000"/>
+            <a:lumOff val="85000"/>
+          </a:schemeClr>
+        </a:solidFill>
+        <a:round/>
+      </a:ln>
+    </cs:spPr>
+    <cs:defRPr sz="900" kern="1200"/>
+  </cs:chartArea>
+  <cs:dataLabel>
+    <cs:lnRef idx="0"/>
+    <cs:fillRef idx="0"/>
+    <cs:effectRef idx="0"/>
+    <cs:fontRef idx="minor">
+      <a:schemeClr val="tx1">
+        <a:lumMod val="75000"/>
+        <a:lumOff val="25000"/>
+      </a:schemeClr>
+    </cs:fontRef>
+    <cs:defRPr sz="900" kern="1200"/>
+  </cs:dataLabel>
+  <cs:dataLabelCallout>
+    <cs:lnRef idx="0"/>
+    <cs:fillRef idx="0"/>
+    <cs:effectRef idx="0"/>
+    <cs:fontRef idx="minor">
+      <a:schemeClr val="dk1">
+        <a:lumMod val="65000"/>
+        <a:lumOff val="35000"/>
+      </a:schemeClr>
+    </cs:fontRef>
+    <cs:spPr>
+      <a:solidFill>
+        <a:schemeClr val="lt1"/>
+      </a:solidFill>
+      <a:ln>
+        <a:solidFill>
+          <a:schemeClr val="dk1">
+            <a:lumMod val="25000"/>
+            <a:lumOff val="75000"/>
+          </a:schemeClr>
+        </a:solidFill>
+      </a:ln>
+    </cs:spPr>
+    <cs:defRPr sz="900" kern="1200"/>
+    <cs:bodyPr rot="0" spcFirstLastPara="1" vertOverflow="clip" horzOverflow="clip" vert="horz" wrap="square" lIns="36576" tIns="18288" rIns="36576" bIns="18288" anchor="ctr" anchorCtr="1">
+      <a:spAutoFit/>
+    </cs:bodyPr>
+  </cs:dataLabelCallout>
+  <cs:dataPoint>
+    <cs:lnRef idx="0"/>
+    <cs:fillRef idx="1">
+      <cs:styleClr val="auto"/>
+    </cs:fillRef>
+    <cs:effectRef idx="0"/>
+    <cs:fontRef idx="minor">
+      <a:schemeClr val="tx1"/>
+    </cs:fontRef>
+    <cs:spPr>
+      <a:ln w="19050">
+        <a:solidFill>
+          <a:schemeClr val="lt1"/>
+        </a:solidFill>
+      </a:ln>
+    </cs:spPr>
+  </cs:dataPoint>
+  <cs:dataPoint3D>
+    <cs:lnRef idx="0"/>
+    <cs:fillRef idx="1">
+      <cs:styleClr val="auto"/>
+    </cs:fillRef>
+    <cs:effectRef idx="0"/>
+    <cs:fontRef idx="minor">
+      <a:schemeClr val="tx1"/>
+    </cs:fontRef>
+    <cs:spPr>
+      <a:ln w="25400">
+        <a:solidFill>
+          <a:schemeClr val="lt1"/>
+        </a:solidFill>
+      </a:ln>
+    </cs:spPr>
+  </cs:dataPoint3D>
+  <cs:dataPointLine>
+    <cs:lnRef idx="0">
+      <cs:styleClr val="auto"/>
+    </cs:lnRef>
+    <cs:fillRef idx="0"/>
+    <cs:effectRef idx="0"/>
+    <cs:fontRef idx="minor">
+      <a:schemeClr val="tx1"/>
+    </cs:fontRef>
+    <cs:spPr>
+      <a:ln w="28575" cap="rnd">
+        <a:solidFill>
+          <a:schemeClr val="phClr"/>
+        </a:solidFill>
+        <a:round/>
+      </a:ln>
+    </cs:spPr>
+  </cs:dataPointLine>
+  <cs:dataPointMarker>
+    <cs:lnRef idx="0">
+      <cs:styleClr val="auto"/>
+    </cs:lnRef>
+    <cs:fillRef idx="1">
+      <cs:styleClr val="auto"/>
+    </cs:fillRef>
+    <cs:effectRef idx="0"/>
+    <cs:fontRef idx="minor">
+      <a:schemeClr val="tx1"/>
+    </cs:fontRef>
+    <cs:spPr>
+      <a:ln w="9525">
+        <a:solidFill>
+          <a:schemeClr val="phClr"/>
+        </a:solidFill>
+      </a:ln>
+    </cs:spPr>
+  </cs:dataPointMarker>
+  <cs:dataPointMarkerLayout symbol="circle" size="5"/>
+  <cs:dataPointWireframe>
+    <cs:lnRef idx="0">
+      <cs:styleClr val="auto"/>
+    </cs:lnRef>
+    <cs:fillRef idx="0"/>
+    <cs:effectRef idx="0"/>
+    <cs:fontRef idx="minor">
+      <a:schemeClr val="tx1"/>
+    </cs:fontRef>
+    <cs:spPr>
+      <a:ln w="9525" cap="rnd">
+        <a:solidFill>
+          <a:schemeClr val="phClr"/>
+        </a:solidFill>
+        <a:round/>
+      </a:ln>
+    </cs:spPr>
+  </cs:dataPointWireframe>
+  <cs:dataTable>
+    <cs:lnRef idx="0"/>
+    <cs:fillRef idx="0"/>
+    <cs:effectRef idx="0"/>
+    <cs:fontRef idx="minor">
+      <a:schemeClr val="tx1">
+        <a:lumMod val="65000"/>
+        <a:lumOff val="35000"/>
+      </a:schemeClr>
+    </cs:fontRef>
+    <cs:spPr>
+      <a:noFill/>
+      <a:ln w="9525" cap="flat" cmpd="sng" algn="ctr">
+        <a:solidFill>
+          <a:schemeClr val="tx1">
+            <a:lumMod val="15000"/>
+            <a:lumOff val="85000"/>
+          </a:schemeClr>
+        </a:solidFill>
+        <a:round/>
+      </a:ln>
+    </cs:spPr>
+    <cs:defRPr sz="900" kern="1200"/>
+  </cs:dataTable>
+  <cs:downBar>
+    <cs:lnRef idx="0"/>
+    <cs:fillRef idx="0"/>
+    <cs:effectRef idx="0"/>
+    <cs:fontRef idx="minor">
+      <a:schemeClr val="tx1"/>
+    </cs:fontRef>
+    <cs:spPr>
+      <a:solidFill>
+        <a:schemeClr val="dk1">
+          <a:lumMod val="75000"/>
+          <a:lumOff val="25000"/>
+        </a:schemeClr>
+      </a:solidFill>
+      <a:ln w="9525" cap="flat" cmpd="sng" algn="ctr">
+        <a:solidFill>
+          <a:schemeClr val="tx1">
+            <a:lumMod val="65000"/>
+            <a:lumOff val="35000"/>
+          </a:schemeClr>
+        </a:solidFill>
+        <a:round/>
+      </a:ln>
+    </cs:spPr>
+  </cs:downBar>
+  <cs:dropLine>
+    <cs:lnRef idx="0"/>
+    <cs:fillRef idx="0"/>
+    <cs:effectRef idx="0"/>
+    <cs:fontRef idx="minor">
+      <a:schemeClr val="tx1"/>
+    </cs:fontRef>
+    <cs:spPr>
+      <a:ln w="9525" cap="flat" cmpd="sng" algn="ctr">
+        <a:solidFill>
+          <a:schemeClr val="tx1">
+            <a:lumMod val="35000"/>
+            <a:lumOff val="65000"/>
+          </a:schemeClr>
+        </a:solidFill>
+        <a:round/>
+      </a:ln>
+    </cs:spPr>
+  </cs:dropLine>
+  <cs:errorBar>
+    <cs:lnRef idx="0"/>
+    <cs:fillRef idx="0"/>
+    <cs:effectRef idx="0"/>
+    <cs:fontRef idx="minor">
+      <a:schemeClr val="tx1"/>
+    </cs:fontRef>
+    <cs:spPr>
+      <a:ln w="9525" cap="flat" cmpd="sng" algn="ctr">
+        <a:solidFill>
+          <a:schemeClr val="tx1">
+            <a:lumMod val="65000"/>
+            <a:lumOff val="35000"/>
+          </a:schemeClr>
+        </a:solidFill>
+        <a:round/>
+      </a:ln>
+    </cs:spPr>
+  </cs:errorBar>
+  <cs:floor>
+    <cs:lnRef idx="0"/>
+    <cs:fillRef idx="0"/>
+    <cs:effectRef idx="0"/>
+    <cs:fontRef idx="minor">
+      <a:schemeClr val="tx1"/>
+    </cs:fontRef>
+    <cs:spPr>
+      <a:noFill/>
+      <a:ln>
+        <a:noFill/>
+      </a:ln>
+    </cs:spPr>
+  </cs:floor>
+  <cs:gridlineMajor>
+    <cs:lnRef idx="0"/>
+    <cs:fillRef idx="0"/>
+    <cs:effectRef idx="0"/>
+    <cs:fontRef idx="minor">
+      <a:schemeClr val="tx1"/>
+    </cs:fontRef>
+    <cs:spPr>
+      <a:ln w="9525" cap="flat" cmpd="sng" algn="ctr">
+        <a:solidFill>
+          <a:schemeClr val="tx1">
+            <a:lumMod val="15000"/>
+            <a:lumOff val="85000"/>
+          </a:schemeClr>
+        </a:solidFill>
+        <a:round/>
+      </a:ln>
+    </cs:spPr>
+  </cs:gridlineMajor>
+  <cs:gridlineMinor>
+    <cs:lnRef idx="0"/>
+    <cs:fillRef idx="0"/>
+    <cs:effectRef idx="0"/>
+    <cs:fontRef idx="minor">
+      <a:schemeClr val="tx1"/>
+    </cs:fontRef>
+    <cs:spPr>
+      <a:ln w="9525" cap="flat" cmpd="sng" algn="ctr">
+        <a:solidFill>
+          <a:schemeClr val="tx1">
+            <a:lumMod val="5000"/>
+            <a:lumOff val="95000"/>
+          </a:schemeClr>
+        </a:solidFill>
+        <a:round/>
+      </a:ln>
+    </cs:spPr>
+  </cs:gridlineMinor>
+  <cs:hiLoLine>
+    <cs:lnRef idx="0"/>
+    <cs:fillRef idx="0"/>
+    <cs:effectRef idx="0"/>
+    <cs:fontRef idx="minor">
+      <a:schemeClr val="tx1"/>
+    </cs:fontRef>
+    <cs:spPr>
+      <a:ln w="9525" cap="flat" cmpd="sng" algn="ctr">
+        <a:solidFill>
+          <a:schemeClr val="tx1">
+            <a:lumMod val="50000"/>
+            <a:lumOff val="50000"/>
+          </a:schemeClr>
+        </a:solidFill>
+        <a:round/>
+      </a:ln>
+    </cs:spPr>
+  </cs:hiLoLine>
+  <cs:leaderLine>
+    <cs:lnRef idx="0"/>
+    <cs:fillRef idx="0"/>
+    <cs:effectRef idx="0"/>
+    <cs:fontRef idx="minor">
+      <a:schemeClr val="tx1"/>
+    </cs:fontRef>
+    <cs:spPr>
+      <a:ln w="9525" cap="flat" cmpd="sng" algn="ctr">
+        <a:solidFill>
+          <a:schemeClr val="tx1">
+            <a:lumMod val="35000"/>
+            <a:lumOff val="65000"/>
+          </a:schemeClr>
+        </a:solidFill>
+        <a:round/>
+      </a:ln>
+    </cs:spPr>
+  </cs:leaderLine>
+  <cs:legend>
+    <cs:lnRef idx="0"/>
+    <cs:fillRef idx="0"/>
+    <cs:effectRef idx="0"/>
+    <cs:fontRef idx="minor">
+      <a:schemeClr val="tx1">
+        <a:lumMod val="65000"/>
+        <a:lumOff val="35000"/>
+      </a:schemeClr>
+    </cs:fontRef>
+    <cs:defRPr sz="900" kern="1200"/>
+  </cs:legend>
+  <cs:plotArea mods="allowNoFillOverride allowNoLineOverride">
+    <cs:lnRef idx="0"/>
+    <cs:fillRef idx="0"/>
+    <cs:effectRef idx="0"/>
+    <cs:fontRef idx="minor">
+      <a:schemeClr val="tx1"/>
+    </cs:fontRef>
+  </cs:plotArea>
+  <cs:plotArea3D mods="allowNoFillOverride allowNoLineOverride">
+    <cs:lnRef idx="0"/>
+    <cs:fillRef idx="0"/>
+    <cs:effectRef idx="0"/>
+    <cs:fontRef idx="minor">
+      <a:schemeClr val="tx1"/>
+    </cs:fontRef>
+  </cs:plotArea3D>
+  <cs:seriesAxis>
+    <cs:lnRef idx="0"/>
+    <cs:fillRef idx="0"/>
+    <cs:effectRef idx="0"/>
+    <cs:fontRef idx="minor">
+      <a:schemeClr val="tx1">
+        <a:lumMod val="65000"/>
+        <a:lumOff val="35000"/>
+      </a:schemeClr>
+    </cs:fontRef>
+    <cs:defRPr sz="900" kern="1200"/>
+  </cs:seriesAxis>
+  <cs:seriesLine>
+    <cs:lnRef idx="0"/>
+    <cs:fillRef idx="0"/>
+    <cs:effectRef idx="0"/>
+    <cs:fontRef idx="minor">
+      <a:schemeClr val="tx1"/>
+    </cs:fontRef>
+    <cs:spPr>
+      <a:ln w="9525" cap="flat" cmpd="sng" algn="ctr">
+        <a:solidFill>
+          <a:schemeClr val="tx1">
+            <a:lumMod val="35000"/>
+            <a:lumOff val="65000"/>
+          </a:schemeClr>
+        </a:solidFill>
+        <a:round/>
+      </a:ln>
+    </cs:spPr>
+  </cs:seriesLine>
+  <cs:title>
+    <cs:lnRef idx="0"/>
+    <cs:fillRef idx="0"/>
+    <cs:effectRef idx="0"/>
+    <cs:fontRef idx="minor">
+      <a:schemeClr val="tx1">
+        <a:lumMod val="65000"/>
+        <a:lumOff val="35000"/>
+      </a:schemeClr>
+    </cs:fontRef>
+    <cs:defRPr sz="1400" b="0" kern="1200" spc="0" baseline="0"/>
+  </cs:title>
+  <cs:trendline>
+    <cs:lnRef idx="0">
+      <cs:styleClr val="auto"/>
+    </cs:lnRef>
+    <cs:fillRef idx="0"/>
+    <cs:effectRef idx="0"/>
+    <cs:fontRef idx="minor">
+      <a:schemeClr val="tx1"/>
+    </cs:fontRef>
+    <cs:spPr>
+      <a:ln w="19050" cap="rnd">
+        <a:solidFill>
+          <a:schemeClr val="phClr"/>
+        </a:solidFill>
+        <a:prstDash val="sysDot"/>
+      </a:ln>
+    </cs:spPr>
+  </cs:trendline>
+  <cs:trendlineLabel>
+    <cs:lnRef idx="0"/>
+    <cs:fillRef idx="0"/>
+    <cs:effectRef idx="0"/>
+    <cs:fontRef idx="minor">
+      <a:schemeClr val="tx1">
+        <a:lumMod val="65000"/>
+        <a:lumOff val="35000"/>
+      </a:schemeClr>
+    </cs:fontRef>
+    <cs:defRPr sz="900" kern="1200"/>
+  </cs:trendlineLabel>
+  <cs:upBar>
+    <cs:lnRef idx="0"/>
+    <cs:fillRef idx="0"/>
+    <cs:effectRef idx="0"/>
+    <cs:fontRef idx="minor">
+      <a:schemeClr val="tx1"/>
+    </cs:fontRef>
+    <cs:spPr>
+      <a:solidFill>
+        <a:schemeClr val="lt1"/>
+      </a:solidFill>
+      <a:ln w="9525" cap="flat" cmpd="sng" algn="ctr">
+        <a:solidFill>
+          <a:schemeClr val="tx1">
+            <a:lumMod val="65000"/>
+            <a:lumOff val="35000"/>
+          </a:schemeClr>
+        </a:solidFill>
+        <a:round/>
+      </a:ln>
+    </cs:spPr>
+  </cs:upBar>
+  <cs:valueAxis>
+    <cs:lnRef idx="0"/>
+    <cs:fillRef idx="0"/>
+    <cs:effectRef idx="0"/>
+    <cs:fontRef idx="minor">
+      <a:schemeClr val="tx1">
+        <a:lumMod val="65000"/>
+        <a:lumOff val="35000"/>
+      </a:schemeClr>
+    </cs:fontRef>
+    <cs:defRPr sz="900" kern="1200"/>
+  </cs:valueAxis>
+  <cs:wall>
+    <cs:lnRef idx="0"/>
+    <cs:fillRef idx="0"/>
+    <cs:effectRef idx="0"/>
+    <cs:fontRef idx="minor">
+      <a:schemeClr val="tx1"/>
+    </cs:fontRef>
+    <cs:spPr>
+      <a:noFill/>
+      <a:ln>
+        <a:noFill/>
+      </a:ln>
+    </cs:spPr>
+  </cs:wall>
+</cs:chartStyle>
 </file>
 
 <file path=ppt/slideLayouts/slideLayout1.xml><?xml version="1.0" encoding="utf-8"?>
@@ -12439,10 +13158,10 @@
       </p:grpSpPr>
       <p:pic>
         <p:nvPicPr>
-          <p:cNvPr id="7" name="Imagen 6">
-            <a:extLst>
-              <a:ext uri="{FF2B5EF4-FFF2-40B4-BE49-F238E27FC236}">
-                <a16:creationId xmlns:a16="http://schemas.microsoft.com/office/drawing/2014/main" id="{1F59BC40-0591-4675-9CCB-D55648AE021F}"/>
+          <p:cNvPr id="54" name="Imagen 53">
+            <a:extLst>
+              <a:ext uri="{FF2B5EF4-FFF2-40B4-BE49-F238E27FC236}">
+                <a16:creationId xmlns:a16="http://schemas.microsoft.com/office/drawing/2014/main" id="{B8582416-C696-4470-83CE-D87FDB6FC5DF}"/>
               </a:ext>
             </a:extLst>
           </p:cNvPr>
@@ -12452,14 +13171,20 @@
           <p:nvPr/>
         </p:nvPicPr>
         <p:blipFill rotWithShape="1">
-          <a:blip r:embed="rId2"/>
-          <a:srcRect t="8982" b="8159"/>
+          <a:blip r:embed="rId2">
+            <a:extLst>
+              <a:ext uri="{28A0092B-C50C-407E-A947-70E740481C1C}">
+                <a14:useLocalDpi xmlns:a14="http://schemas.microsoft.com/office/drawing/2010/main" val="0"/>
+              </a:ext>
+            </a:extLst>
+          </a:blip>
+          <a:srcRect l="25675" r="28633"/>
           <a:stretch/>
         </p:blipFill>
         <p:spPr>
           <a:xfrm>
-            <a:off x="164774" y="93290"/>
-            <a:ext cx="5541335" cy="3638762"/>
+            <a:off x="6526559" y="14269"/>
+            <a:ext cx="5072688" cy="6843731"/>
           </a:xfrm>
           <a:prstGeom prst="rect">
             <a:avLst/>
@@ -12473,10 +13198,10 @@
       </p:pic>
       <p:pic>
         <p:nvPicPr>
-          <p:cNvPr id="54" name="Imagen 53">
-            <a:extLst>
-              <a:ext uri="{FF2B5EF4-FFF2-40B4-BE49-F238E27FC236}">
-                <a16:creationId xmlns:a16="http://schemas.microsoft.com/office/drawing/2014/main" id="{B8582416-C696-4470-83CE-D87FDB6FC5DF}"/>
+          <p:cNvPr id="7" name="Imagen 6">
+            <a:extLst>
+              <a:ext uri="{FF2B5EF4-FFF2-40B4-BE49-F238E27FC236}">
+                <a16:creationId xmlns:a16="http://schemas.microsoft.com/office/drawing/2014/main" id="{1F59BC40-0591-4675-9CCB-D55648AE021F}"/>
               </a:ext>
             </a:extLst>
           </p:cNvPr>
@@ -12486,20 +13211,14 @@
           <p:nvPr/>
         </p:nvPicPr>
         <p:blipFill rotWithShape="1">
-          <a:blip r:embed="rId3">
-            <a:extLst>
-              <a:ext uri="{28A0092B-C50C-407E-A947-70E740481C1C}">
-                <a14:useLocalDpi xmlns:a14="http://schemas.microsoft.com/office/drawing/2010/main" val="0"/>
-              </a:ext>
-            </a:extLst>
-          </a:blip>
-          <a:srcRect l="25675" r="28633"/>
+          <a:blip r:embed="rId3"/>
+          <a:srcRect t="8982" b="8159"/>
           <a:stretch/>
         </p:blipFill>
         <p:spPr>
           <a:xfrm>
-            <a:off x="6526559" y="14269"/>
-            <a:ext cx="5072688" cy="6843731"/>
+            <a:off x="164774" y="93290"/>
+            <a:ext cx="5541335" cy="3638762"/>
           </a:xfrm>
           <a:prstGeom prst="rect">
             <a:avLst/>
@@ -12605,10 +13324,10 @@
       </p:pic>
       <p:pic>
         <p:nvPicPr>
-          <p:cNvPr id="24" name="Picture 2" descr="Hugging Face">
-            <a:extLst>
-              <a:ext uri="{FF2B5EF4-FFF2-40B4-BE49-F238E27FC236}">
-                <a16:creationId xmlns:a16="http://schemas.microsoft.com/office/drawing/2014/main" id="{6F9B8976-38C0-42C4-9840-EA9413DB5852}"/>
+          <p:cNvPr id="1032" name="Picture 8" descr="Proceso de Web Scraping">
+            <a:extLst>
+              <a:ext uri="{FF2B5EF4-FFF2-40B4-BE49-F238E27FC236}">
+                <a16:creationId xmlns:a16="http://schemas.microsoft.com/office/drawing/2014/main" id="{EE966221-7AE5-473E-A203-B8944C592861}"/>
               </a:ext>
             </a:extLst>
           </p:cNvPr>
@@ -12619,98 +13338,6 @@
         </p:nvPicPr>
         <p:blipFill rotWithShape="1">
           <a:blip r:embed="rId6">
-            <a:extLst>
-              <a:ext uri="{28A0092B-C50C-407E-A947-70E740481C1C}">
-                <a14:useLocalDpi xmlns:a14="http://schemas.microsoft.com/office/drawing/2010/main" val="0"/>
-              </a:ext>
-            </a:extLst>
-          </a:blip>
-          <a:srcRect l="28634" t="29013" r="28080" b="28993"/>
-          <a:stretch/>
-        </p:blipFill>
-        <p:spPr bwMode="auto">
-          <a:xfrm>
-            <a:off x="10255030" y="1988289"/>
-            <a:ext cx="1016952" cy="986633"/>
-          </a:xfrm>
-          <a:prstGeom prst="rect">
-            <a:avLst/>
-          </a:prstGeom>
-          <a:noFill/>
-          <a:extLst>
-            <a:ext uri="{909E8E84-426E-40DD-AFC4-6F175D3DCCD1}">
-              <a14:hiddenFill xmlns:a14="http://schemas.microsoft.com/office/drawing/2010/main">
-                <a:solidFill>
-                  <a:srgbClr val="FFFFFF"/>
-                </a:solidFill>
-              </a14:hiddenFill>
-            </a:ext>
-          </a:extLst>
-        </p:spPr>
-      </p:pic>
-      <p:pic>
-        <p:nvPicPr>
-          <p:cNvPr id="25" name="Picture 4" descr="Desbloquear el poder de la limpieza de datos eficaz: tÃ©cnicas, beneficios  y mejores prÃ¡cticas">
-            <a:extLst>
-              <a:ext uri="{FF2B5EF4-FFF2-40B4-BE49-F238E27FC236}">
-                <a16:creationId xmlns:a16="http://schemas.microsoft.com/office/drawing/2014/main" id="{8B307A9E-3BF0-45A4-B2CF-D803DFF20582}"/>
-              </a:ext>
-            </a:extLst>
-          </p:cNvPr>
-          <p:cNvPicPr>
-            <a:picLocks noChangeAspect="1" noChangeArrowheads="1"/>
-          </p:cNvPicPr>
-          <p:nvPr/>
-        </p:nvPicPr>
-        <p:blipFill>
-          <a:blip r:embed="rId7">
-            <a:extLst>
-              <a:ext uri="{28A0092B-C50C-407E-A947-70E740481C1C}">
-                <a14:useLocalDpi xmlns:a14="http://schemas.microsoft.com/office/drawing/2010/main" val="0"/>
-              </a:ext>
-            </a:extLst>
-          </a:blip>
-          <a:srcRect/>
-          <a:stretch>
-            <a:fillRect/>
-          </a:stretch>
-        </p:blipFill>
-        <p:spPr bwMode="auto">
-          <a:xfrm>
-            <a:off x="8754357" y="889836"/>
-            <a:ext cx="1009541" cy="1009541"/>
-          </a:xfrm>
-          <a:prstGeom prst="rect">
-            <a:avLst/>
-          </a:prstGeom>
-          <a:noFill/>
-          <a:extLst>
-            <a:ext uri="{909E8E84-426E-40DD-AFC4-6F175D3DCCD1}">
-              <a14:hiddenFill xmlns:a14="http://schemas.microsoft.com/office/drawing/2010/main">
-                <a:solidFill>
-                  <a:srgbClr val="FFFFFF"/>
-                </a:solidFill>
-              </a14:hiddenFill>
-            </a:ext>
-          </a:extLst>
-        </p:spPr>
-      </p:pic>
-      <p:pic>
-        <p:nvPicPr>
-          <p:cNvPr id="1032" name="Picture 8" descr="Proceso de Web Scraping">
-            <a:extLst>
-              <a:ext uri="{FF2B5EF4-FFF2-40B4-BE49-F238E27FC236}">
-                <a16:creationId xmlns:a16="http://schemas.microsoft.com/office/drawing/2014/main" id="{EE966221-7AE5-473E-A203-B8944C592861}"/>
-              </a:ext>
-            </a:extLst>
-          </p:cNvPr>
-          <p:cNvPicPr>
-            <a:picLocks noChangeAspect="1" noChangeArrowheads="1"/>
-          </p:cNvPicPr>
-          <p:nvPr/>
-        </p:nvPicPr>
-        <p:blipFill rotWithShape="1">
-          <a:blip r:embed="rId8">
             <a:extLst>
               <a:ext uri="{28A0092B-C50C-407E-A947-70E740481C1C}">
                 <a14:useLocalDpi xmlns:a14="http://schemas.microsoft.com/office/drawing/2010/main" val="0"/>
@@ -12755,7 +13382,7 @@
           <p:nvPr/>
         </p:nvPicPr>
         <p:blipFill rotWithShape="1">
-          <a:blip r:embed="rId9">
+          <a:blip r:embed="rId7">
             <a:extLst>
               <a:ext uri="{28A0092B-C50C-407E-A947-70E740481C1C}">
                 <a14:useLocalDpi xmlns:a14="http://schemas.microsoft.com/office/drawing/2010/main" val="0"/>
@@ -12787,650 +13414,6 @@
       </p:pic>
       <p:pic>
         <p:nvPicPr>
-          <p:cNvPr id="1036" name="Picture 12" descr="Keras: Deep Learning for humans">
-            <a:extLst>
-              <a:ext uri="{FF2B5EF4-FFF2-40B4-BE49-F238E27FC236}">
-                <a16:creationId xmlns:a16="http://schemas.microsoft.com/office/drawing/2014/main" id="{78608EC1-C13D-4742-A741-779E0067E9EF}"/>
-              </a:ext>
-            </a:extLst>
-          </p:cNvPr>
-          <p:cNvPicPr>
-            <a:picLocks noChangeAspect="1" noChangeArrowheads="1"/>
-          </p:cNvPicPr>
-          <p:nvPr/>
-        </p:nvPicPr>
-        <p:blipFill>
-          <a:blip r:embed="rId10">
-            <a:extLst>
-              <a:ext uri="{28A0092B-C50C-407E-A947-70E740481C1C}">
-                <a14:useLocalDpi xmlns:a14="http://schemas.microsoft.com/office/drawing/2010/main" val="0"/>
-              </a:ext>
-            </a:extLst>
-          </a:blip>
-          <a:srcRect/>
-          <a:stretch>
-            <a:fillRect/>
-          </a:stretch>
-        </p:blipFill>
-        <p:spPr bwMode="auto">
-          <a:xfrm>
-            <a:off x="10417795" y="4477393"/>
-            <a:ext cx="1206538" cy="349896"/>
-          </a:xfrm>
-          <a:prstGeom prst="rect">
-            <a:avLst/>
-          </a:prstGeom>
-          <a:noFill/>
-          <a:extLst>
-            <a:ext uri="{909E8E84-426E-40DD-AFC4-6F175D3DCCD1}">
-              <a14:hiddenFill xmlns:a14="http://schemas.microsoft.com/office/drawing/2010/main">
-                <a:solidFill>
-                  <a:srgbClr val="FFFFFF"/>
-                </a:solidFill>
-              </a14:hiddenFill>
-            </a:ext>
-          </a:extLst>
-        </p:spPr>
-      </p:pic>
-      <p:pic>
-        <p:nvPicPr>
-          <p:cNvPr id="1038" name="Picture 14" descr="Algoritmo - Iconos gratis de editar herramientas">
-            <a:extLst>
-              <a:ext uri="{FF2B5EF4-FFF2-40B4-BE49-F238E27FC236}">
-                <a16:creationId xmlns:a16="http://schemas.microsoft.com/office/drawing/2014/main" id="{BC62E01A-14AC-4F66-8BBD-6D93C5DF566F}"/>
-              </a:ext>
-            </a:extLst>
-          </p:cNvPr>
-          <p:cNvPicPr>
-            <a:picLocks noChangeAspect="1" noChangeArrowheads="1"/>
-          </p:cNvPicPr>
-          <p:nvPr/>
-        </p:nvPicPr>
-        <p:blipFill>
-          <a:blip r:embed="rId11">
-            <a:extLst>
-              <a:ext uri="{28A0092B-C50C-407E-A947-70E740481C1C}">
-                <a14:useLocalDpi xmlns:a14="http://schemas.microsoft.com/office/drawing/2010/main" val="0"/>
-              </a:ext>
-            </a:extLst>
-          </a:blip>
-          <a:srcRect/>
-          <a:stretch>
-            <a:fillRect/>
-          </a:stretch>
-        </p:blipFill>
-        <p:spPr bwMode="auto">
-          <a:xfrm>
-            <a:off x="6781800" y="3729888"/>
-            <a:ext cx="922453" cy="922453"/>
-          </a:xfrm>
-          <a:prstGeom prst="rect">
-            <a:avLst/>
-          </a:prstGeom>
-          <a:noFill/>
-          <a:extLst>
-            <a:ext uri="{909E8E84-426E-40DD-AFC4-6F175D3DCCD1}">
-              <a14:hiddenFill xmlns:a14="http://schemas.microsoft.com/office/drawing/2010/main">
-                <a:solidFill>
-                  <a:srgbClr val="FFFFFF"/>
-                </a:solidFill>
-              </a14:hiddenFill>
-            </a:ext>
-          </a:extLst>
-        </p:spPr>
-      </p:pic>
-      <p:pic>
-        <p:nvPicPr>
-          <p:cNvPr id="1040" name="Picture 16" descr="Comparison Generic Outline Color icon | Freepik">
-            <a:extLst>
-              <a:ext uri="{FF2B5EF4-FFF2-40B4-BE49-F238E27FC236}">
-                <a16:creationId xmlns:a16="http://schemas.microsoft.com/office/drawing/2014/main" id="{84CCE91B-F4D7-4F3A-AF31-3A245FC22E7A}"/>
-              </a:ext>
-            </a:extLst>
-          </p:cNvPr>
-          <p:cNvPicPr>
-            <a:picLocks noChangeAspect="1" noChangeArrowheads="1"/>
-          </p:cNvPicPr>
-          <p:nvPr/>
-        </p:nvPicPr>
-        <p:blipFill>
-          <a:blip r:embed="rId12">
-            <a:extLst>
-              <a:ext uri="{28A0092B-C50C-407E-A947-70E740481C1C}">
-                <a14:useLocalDpi xmlns:a14="http://schemas.microsoft.com/office/drawing/2010/main" val="0"/>
-              </a:ext>
-            </a:extLst>
-          </a:blip>
-          <a:srcRect/>
-          <a:stretch>
-            <a:fillRect/>
-          </a:stretch>
-        </p:blipFill>
-        <p:spPr bwMode="auto">
-          <a:xfrm>
-            <a:off x="10149486" y="5786568"/>
-            <a:ext cx="1003873" cy="1003873"/>
-          </a:xfrm>
-          <a:prstGeom prst="rect">
-            <a:avLst/>
-          </a:prstGeom>
-          <a:noFill/>
-          <a:extLst>
-            <a:ext uri="{909E8E84-426E-40DD-AFC4-6F175D3DCCD1}">
-              <a14:hiddenFill xmlns:a14="http://schemas.microsoft.com/office/drawing/2010/main">
-                <a:solidFill>
-                  <a:srgbClr val="FFFFFF"/>
-                </a:solidFill>
-              </a14:hiddenFill>
-            </a:ext>
-          </a:extLst>
-        </p:spPr>
-      </p:pic>
-      <p:pic>
-        <p:nvPicPr>
-          <p:cNvPr id="1042" name="Picture 18" descr="Datasets - DataForImpactProject">
-            <a:extLst>
-              <a:ext uri="{FF2B5EF4-FFF2-40B4-BE49-F238E27FC236}">
-                <a16:creationId xmlns:a16="http://schemas.microsoft.com/office/drawing/2014/main" id="{438E4823-BCBA-4AB9-82B1-82EECF985A52}"/>
-              </a:ext>
-            </a:extLst>
-          </p:cNvPr>
-          <p:cNvPicPr>
-            <a:picLocks noChangeAspect="1" noChangeArrowheads="1"/>
-          </p:cNvPicPr>
-          <p:nvPr/>
-        </p:nvPicPr>
-        <p:blipFill>
-          <a:blip r:embed="rId13">
-            <a:extLst>
-              <a:ext uri="{28A0092B-C50C-407E-A947-70E740481C1C}">
-                <a14:useLocalDpi xmlns:a14="http://schemas.microsoft.com/office/drawing/2010/main" val="0"/>
-              </a:ext>
-            </a:extLst>
-          </a:blip>
-          <a:srcRect/>
-          <a:stretch>
-            <a:fillRect/>
-          </a:stretch>
-        </p:blipFill>
-        <p:spPr bwMode="auto">
-          <a:xfrm>
-            <a:off x="10172983" y="103700"/>
-            <a:ext cx="1327261" cy="1331435"/>
-          </a:xfrm>
-          <a:prstGeom prst="rect">
-            <a:avLst/>
-          </a:prstGeom>
-          <a:noFill/>
-          <a:extLst>
-            <a:ext uri="{909E8E84-426E-40DD-AFC4-6F175D3DCCD1}">
-              <a14:hiddenFill xmlns:a14="http://schemas.microsoft.com/office/drawing/2010/main">
-                <a:solidFill>
-                  <a:srgbClr val="FFFFFF"/>
-                </a:solidFill>
-              </a14:hiddenFill>
-            </a:ext>
-          </a:extLst>
-        </p:spPr>
-      </p:pic>
-      <p:sp>
-        <p:nvSpPr>
-          <p:cNvPr id="63" name="Marcador de contenido 2">
-            <a:extLst>
-              <a:ext uri="{FF2B5EF4-FFF2-40B4-BE49-F238E27FC236}">
-                <a16:creationId xmlns:a16="http://schemas.microsoft.com/office/drawing/2014/main" id="{3D19C736-A91B-4877-9BCB-3FE8A271C72D}"/>
-              </a:ext>
-            </a:extLst>
-          </p:cNvPr>
-          <p:cNvSpPr>
-            <a:spLocks noGrp="1"/>
-          </p:cNvSpPr>
-          <p:nvPr>
-            <p:ph idx="1"/>
-          </p:nvPr>
-        </p:nvSpPr>
-        <p:spPr>
-          <a:xfrm>
-            <a:off x="10288243" y="99867"/>
-            <a:ext cx="677015" cy="349398"/>
-          </a:xfrm>
-        </p:spPr>
-        <p:txBody>
-          <a:bodyPr>
-            <a:normAutofit/>
-          </a:bodyPr>
-          <a:lstStyle/>
-          <a:p>
-            <a:pPr marL="0" indent="0">
-              <a:buNone/>
-            </a:pPr>
-            <a:r>
-              <a:rPr lang="es-MX" sz="1800" dirty="0">
-                <a:solidFill>
-                  <a:srgbClr val="A7BF39"/>
-                </a:solidFill>
-              </a:rPr>
-              <a:t>70%</a:t>
-            </a:r>
-          </a:p>
-        </p:txBody>
-      </p:sp>
-      <p:sp>
-        <p:nvSpPr>
-          <p:cNvPr id="64" name="Marcador de contenido 2">
-            <a:extLst>
-              <a:ext uri="{FF2B5EF4-FFF2-40B4-BE49-F238E27FC236}">
-                <a16:creationId xmlns:a16="http://schemas.microsoft.com/office/drawing/2014/main" id="{98D01804-CC01-4EE1-AB35-654DF33E1FA5}"/>
-              </a:ext>
-            </a:extLst>
-          </p:cNvPr>
-          <p:cNvSpPr txBox="1">
-            <a:spLocks/>
-          </p:cNvSpPr>
-          <p:nvPr/>
-        </p:nvSpPr>
-        <p:spPr>
-          <a:xfrm>
-            <a:off x="11056353" y="355949"/>
-            <a:ext cx="481433" cy="349398"/>
-          </a:xfrm>
-          <a:prstGeom prst="rect">
-            <a:avLst/>
-          </a:prstGeom>
-        </p:spPr>
-        <p:txBody>
-          <a:bodyPr vert="horz" lIns="91440" tIns="45720" rIns="91440" bIns="45720" rtlCol="0">
-            <a:normAutofit/>
-          </a:bodyPr>
-          <a:lstStyle>
-            <a:lvl1pPr marL="228600" indent="-228600" algn="l" defTabSz="914400" rtl="0" eaLnBrk="1" latinLnBrk="0" hangingPunct="1">
-              <a:lnSpc>
-                <a:spcPct val="90000"/>
-              </a:lnSpc>
-              <a:spcBef>
-                <a:spcPts val="1000"/>
-              </a:spcBef>
-              <a:buFont typeface="Arial" panose="020B0604020202020204" pitchFamily="34" charset="0"/>
-              <a:buChar char="•"/>
-              <a:defRPr sz="2800" kern="1200">
-                <a:solidFill>
-                  <a:schemeClr val="tx1"/>
-                </a:solidFill>
-                <a:latin typeface="+mn-lt"/>
-                <a:ea typeface="+mn-ea"/>
-                <a:cs typeface="+mn-cs"/>
-              </a:defRPr>
-            </a:lvl1pPr>
-            <a:lvl2pPr marL="685800" indent="-228600" algn="l" defTabSz="914400" rtl="0" eaLnBrk="1" latinLnBrk="0" hangingPunct="1">
-              <a:lnSpc>
-                <a:spcPct val="90000"/>
-              </a:lnSpc>
-              <a:spcBef>
-                <a:spcPts val="500"/>
-              </a:spcBef>
-              <a:buFont typeface="Arial" panose="020B0604020202020204" pitchFamily="34" charset="0"/>
-              <a:buChar char="•"/>
-              <a:defRPr sz="2400" kern="1200">
-                <a:solidFill>
-                  <a:schemeClr val="tx1"/>
-                </a:solidFill>
-                <a:latin typeface="+mn-lt"/>
-                <a:ea typeface="+mn-ea"/>
-                <a:cs typeface="+mn-cs"/>
-              </a:defRPr>
-            </a:lvl2pPr>
-            <a:lvl3pPr marL="1143000" indent="-228600" algn="l" defTabSz="914400" rtl="0" eaLnBrk="1" latinLnBrk="0" hangingPunct="1">
-              <a:lnSpc>
-                <a:spcPct val="90000"/>
-              </a:lnSpc>
-              <a:spcBef>
-                <a:spcPts val="500"/>
-              </a:spcBef>
-              <a:buFont typeface="Arial" panose="020B0604020202020204" pitchFamily="34" charset="0"/>
-              <a:buChar char="•"/>
-              <a:defRPr sz="2000" kern="1200">
-                <a:solidFill>
-                  <a:schemeClr val="tx1"/>
-                </a:solidFill>
-                <a:latin typeface="+mn-lt"/>
-                <a:ea typeface="+mn-ea"/>
-                <a:cs typeface="+mn-cs"/>
-              </a:defRPr>
-            </a:lvl3pPr>
-            <a:lvl4pPr marL="1600200" indent="-228600" algn="l" defTabSz="914400" rtl="0" eaLnBrk="1" latinLnBrk="0" hangingPunct="1">
-              <a:lnSpc>
-                <a:spcPct val="90000"/>
-              </a:lnSpc>
-              <a:spcBef>
-                <a:spcPts val="500"/>
-              </a:spcBef>
-              <a:buFont typeface="Arial" panose="020B0604020202020204" pitchFamily="34" charset="0"/>
-              <a:buChar char="•"/>
-              <a:defRPr sz="1800" kern="1200">
-                <a:solidFill>
-                  <a:schemeClr val="tx1"/>
-                </a:solidFill>
-                <a:latin typeface="+mn-lt"/>
-                <a:ea typeface="+mn-ea"/>
-                <a:cs typeface="+mn-cs"/>
-              </a:defRPr>
-            </a:lvl4pPr>
-            <a:lvl5pPr marL="2057400" indent="-228600" algn="l" defTabSz="914400" rtl="0" eaLnBrk="1" latinLnBrk="0" hangingPunct="1">
-              <a:lnSpc>
-                <a:spcPct val="90000"/>
-              </a:lnSpc>
-              <a:spcBef>
-                <a:spcPts val="500"/>
-              </a:spcBef>
-              <a:buFont typeface="Arial" panose="020B0604020202020204" pitchFamily="34" charset="0"/>
-              <a:buChar char="•"/>
-              <a:defRPr sz="1800" kern="1200">
-                <a:solidFill>
-                  <a:schemeClr val="tx1"/>
-                </a:solidFill>
-                <a:latin typeface="+mn-lt"/>
-                <a:ea typeface="+mn-ea"/>
-                <a:cs typeface="+mn-cs"/>
-              </a:defRPr>
-            </a:lvl5pPr>
-            <a:lvl6pPr marL="2514600" indent="-228600" algn="l" defTabSz="914400" rtl="0" eaLnBrk="1" latinLnBrk="0" hangingPunct="1">
-              <a:lnSpc>
-                <a:spcPct val="90000"/>
-              </a:lnSpc>
-              <a:spcBef>
-                <a:spcPts val="500"/>
-              </a:spcBef>
-              <a:buFont typeface="Arial" panose="020B0604020202020204" pitchFamily="34" charset="0"/>
-              <a:buChar char="•"/>
-              <a:defRPr sz="1800" kern="1200">
-                <a:solidFill>
-                  <a:schemeClr val="tx1"/>
-                </a:solidFill>
-                <a:latin typeface="+mn-lt"/>
-                <a:ea typeface="+mn-ea"/>
-                <a:cs typeface="+mn-cs"/>
-              </a:defRPr>
-            </a:lvl6pPr>
-            <a:lvl7pPr marL="2971800" indent="-228600" algn="l" defTabSz="914400" rtl="0" eaLnBrk="1" latinLnBrk="0" hangingPunct="1">
-              <a:lnSpc>
-                <a:spcPct val="90000"/>
-              </a:lnSpc>
-              <a:spcBef>
-                <a:spcPts val="500"/>
-              </a:spcBef>
-              <a:buFont typeface="Arial" panose="020B0604020202020204" pitchFamily="34" charset="0"/>
-              <a:buChar char="•"/>
-              <a:defRPr sz="1800" kern="1200">
-                <a:solidFill>
-                  <a:schemeClr val="tx1"/>
-                </a:solidFill>
-                <a:latin typeface="+mn-lt"/>
-                <a:ea typeface="+mn-ea"/>
-                <a:cs typeface="+mn-cs"/>
-              </a:defRPr>
-            </a:lvl7pPr>
-            <a:lvl8pPr marL="3429000" indent="-228600" algn="l" defTabSz="914400" rtl="0" eaLnBrk="1" latinLnBrk="0" hangingPunct="1">
-              <a:lnSpc>
-                <a:spcPct val="90000"/>
-              </a:lnSpc>
-              <a:spcBef>
-                <a:spcPts val="500"/>
-              </a:spcBef>
-              <a:buFont typeface="Arial" panose="020B0604020202020204" pitchFamily="34" charset="0"/>
-              <a:buChar char="•"/>
-              <a:defRPr sz="1800" kern="1200">
-                <a:solidFill>
-                  <a:schemeClr val="tx1"/>
-                </a:solidFill>
-                <a:latin typeface="+mn-lt"/>
-                <a:ea typeface="+mn-ea"/>
-                <a:cs typeface="+mn-cs"/>
-              </a:defRPr>
-            </a:lvl8pPr>
-            <a:lvl9pPr marL="3886200" indent="-228600" algn="l" defTabSz="914400" rtl="0" eaLnBrk="1" latinLnBrk="0" hangingPunct="1">
-              <a:lnSpc>
-                <a:spcPct val="90000"/>
-              </a:lnSpc>
-              <a:spcBef>
-                <a:spcPts val="500"/>
-              </a:spcBef>
-              <a:buFont typeface="Arial" panose="020B0604020202020204" pitchFamily="34" charset="0"/>
-              <a:buChar char="•"/>
-              <a:defRPr sz="1800" kern="1200">
-                <a:solidFill>
-                  <a:schemeClr val="tx1"/>
-                </a:solidFill>
-                <a:latin typeface="+mn-lt"/>
-                <a:ea typeface="+mn-ea"/>
-                <a:cs typeface="+mn-cs"/>
-              </a:defRPr>
-            </a:lvl9pPr>
-          </a:lstStyle>
-          <a:p>
-            <a:pPr marL="0" indent="0">
-              <a:buFont typeface="Arial" panose="020B0604020202020204" pitchFamily="34" charset="0"/>
-              <a:buNone/>
-            </a:pPr>
-            <a:r>
-              <a:rPr lang="es-MX" sz="1200" dirty="0">
-                <a:solidFill>
-                  <a:srgbClr val="D44102"/>
-                </a:solidFill>
-              </a:rPr>
-              <a:t>10%</a:t>
-            </a:r>
-          </a:p>
-        </p:txBody>
-      </p:sp>
-      <p:sp>
-        <p:nvSpPr>
-          <p:cNvPr id="65" name="Marcador de contenido 2">
-            <a:extLst>
-              <a:ext uri="{FF2B5EF4-FFF2-40B4-BE49-F238E27FC236}">
-                <a16:creationId xmlns:a16="http://schemas.microsoft.com/office/drawing/2014/main" id="{4040B223-B084-42FB-9894-4D0159DBCFF8}"/>
-              </a:ext>
-            </a:extLst>
-          </p:cNvPr>
-          <p:cNvSpPr txBox="1">
-            <a:spLocks/>
-          </p:cNvSpPr>
-          <p:nvPr/>
-        </p:nvSpPr>
-        <p:spPr>
-          <a:xfrm>
-            <a:off x="10683561" y="567490"/>
-            <a:ext cx="588422" cy="393486"/>
-          </a:xfrm>
-          <a:prstGeom prst="rect">
-            <a:avLst/>
-          </a:prstGeom>
-        </p:spPr>
-        <p:txBody>
-          <a:bodyPr vert="horz" lIns="91440" tIns="45720" rIns="91440" bIns="45720" rtlCol="0">
-            <a:normAutofit/>
-          </a:bodyPr>
-          <a:lstStyle>
-            <a:lvl1pPr marL="228600" indent="-228600" algn="l" defTabSz="914400" rtl="0" eaLnBrk="1" latinLnBrk="0" hangingPunct="1">
-              <a:lnSpc>
-                <a:spcPct val="90000"/>
-              </a:lnSpc>
-              <a:spcBef>
-                <a:spcPts val="1000"/>
-              </a:spcBef>
-              <a:buFont typeface="Arial" panose="020B0604020202020204" pitchFamily="34" charset="0"/>
-              <a:buChar char="•"/>
-              <a:defRPr sz="2800" kern="1200">
-                <a:solidFill>
-                  <a:schemeClr val="tx1"/>
-                </a:solidFill>
-                <a:latin typeface="+mn-lt"/>
-                <a:ea typeface="+mn-ea"/>
-                <a:cs typeface="+mn-cs"/>
-              </a:defRPr>
-            </a:lvl1pPr>
-            <a:lvl2pPr marL="685800" indent="-228600" algn="l" defTabSz="914400" rtl="0" eaLnBrk="1" latinLnBrk="0" hangingPunct="1">
-              <a:lnSpc>
-                <a:spcPct val="90000"/>
-              </a:lnSpc>
-              <a:spcBef>
-                <a:spcPts val="500"/>
-              </a:spcBef>
-              <a:buFont typeface="Arial" panose="020B0604020202020204" pitchFamily="34" charset="0"/>
-              <a:buChar char="•"/>
-              <a:defRPr sz="2400" kern="1200">
-                <a:solidFill>
-                  <a:schemeClr val="tx1"/>
-                </a:solidFill>
-                <a:latin typeface="+mn-lt"/>
-                <a:ea typeface="+mn-ea"/>
-                <a:cs typeface="+mn-cs"/>
-              </a:defRPr>
-            </a:lvl2pPr>
-            <a:lvl3pPr marL="1143000" indent="-228600" algn="l" defTabSz="914400" rtl="0" eaLnBrk="1" latinLnBrk="0" hangingPunct="1">
-              <a:lnSpc>
-                <a:spcPct val="90000"/>
-              </a:lnSpc>
-              <a:spcBef>
-                <a:spcPts val="500"/>
-              </a:spcBef>
-              <a:buFont typeface="Arial" panose="020B0604020202020204" pitchFamily="34" charset="0"/>
-              <a:buChar char="•"/>
-              <a:defRPr sz="2000" kern="1200">
-                <a:solidFill>
-                  <a:schemeClr val="tx1"/>
-                </a:solidFill>
-                <a:latin typeface="+mn-lt"/>
-                <a:ea typeface="+mn-ea"/>
-                <a:cs typeface="+mn-cs"/>
-              </a:defRPr>
-            </a:lvl3pPr>
-            <a:lvl4pPr marL="1600200" indent="-228600" algn="l" defTabSz="914400" rtl="0" eaLnBrk="1" latinLnBrk="0" hangingPunct="1">
-              <a:lnSpc>
-                <a:spcPct val="90000"/>
-              </a:lnSpc>
-              <a:spcBef>
-                <a:spcPts val="500"/>
-              </a:spcBef>
-              <a:buFont typeface="Arial" panose="020B0604020202020204" pitchFamily="34" charset="0"/>
-              <a:buChar char="•"/>
-              <a:defRPr sz="1800" kern="1200">
-                <a:solidFill>
-                  <a:schemeClr val="tx1"/>
-                </a:solidFill>
-                <a:latin typeface="+mn-lt"/>
-                <a:ea typeface="+mn-ea"/>
-                <a:cs typeface="+mn-cs"/>
-              </a:defRPr>
-            </a:lvl4pPr>
-            <a:lvl5pPr marL="2057400" indent="-228600" algn="l" defTabSz="914400" rtl="0" eaLnBrk="1" latinLnBrk="0" hangingPunct="1">
-              <a:lnSpc>
-                <a:spcPct val="90000"/>
-              </a:lnSpc>
-              <a:spcBef>
-                <a:spcPts val="500"/>
-              </a:spcBef>
-              <a:buFont typeface="Arial" panose="020B0604020202020204" pitchFamily="34" charset="0"/>
-              <a:buChar char="•"/>
-              <a:defRPr sz="1800" kern="1200">
-                <a:solidFill>
-                  <a:schemeClr val="tx1"/>
-                </a:solidFill>
-                <a:latin typeface="+mn-lt"/>
-                <a:ea typeface="+mn-ea"/>
-                <a:cs typeface="+mn-cs"/>
-              </a:defRPr>
-            </a:lvl5pPr>
-            <a:lvl6pPr marL="2514600" indent="-228600" algn="l" defTabSz="914400" rtl="0" eaLnBrk="1" latinLnBrk="0" hangingPunct="1">
-              <a:lnSpc>
-                <a:spcPct val="90000"/>
-              </a:lnSpc>
-              <a:spcBef>
-                <a:spcPts val="500"/>
-              </a:spcBef>
-              <a:buFont typeface="Arial" panose="020B0604020202020204" pitchFamily="34" charset="0"/>
-              <a:buChar char="•"/>
-              <a:defRPr sz="1800" kern="1200">
-                <a:solidFill>
-                  <a:schemeClr val="tx1"/>
-                </a:solidFill>
-                <a:latin typeface="+mn-lt"/>
-                <a:ea typeface="+mn-ea"/>
-                <a:cs typeface="+mn-cs"/>
-              </a:defRPr>
-            </a:lvl6pPr>
-            <a:lvl7pPr marL="2971800" indent="-228600" algn="l" defTabSz="914400" rtl="0" eaLnBrk="1" latinLnBrk="0" hangingPunct="1">
-              <a:lnSpc>
-                <a:spcPct val="90000"/>
-              </a:lnSpc>
-              <a:spcBef>
-                <a:spcPts val="500"/>
-              </a:spcBef>
-              <a:buFont typeface="Arial" panose="020B0604020202020204" pitchFamily="34" charset="0"/>
-              <a:buChar char="•"/>
-              <a:defRPr sz="1800" kern="1200">
-                <a:solidFill>
-                  <a:schemeClr val="tx1"/>
-                </a:solidFill>
-                <a:latin typeface="+mn-lt"/>
-                <a:ea typeface="+mn-ea"/>
-                <a:cs typeface="+mn-cs"/>
-              </a:defRPr>
-            </a:lvl7pPr>
-            <a:lvl8pPr marL="3429000" indent="-228600" algn="l" defTabSz="914400" rtl="0" eaLnBrk="1" latinLnBrk="0" hangingPunct="1">
-              <a:lnSpc>
-                <a:spcPct val="90000"/>
-              </a:lnSpc>
-              <a:spcBef>
-                <a:spcPts val="500"/>
-              </a:spcBef>
-              <a:buFont typeface="Arial" panose="020B0604020202020204" pitchFamily="34" charset="0"/>
-              <a:buChar char="•"/>
-              <a:defRPr sz="1800" kern="1200">
-                <a:solidFill>
-                  <a:schemeClr val="tx1"/>
-                </a:solidFill>
-                <a:latin typeface="+mn-lt"/>
-                <a:ea typeface="+mn-ea"/>
-                <a:cs typeface="+mn-cs"/>
-              </a:defRPr>
-            </a:lvl8pPr>
-            <a:lvl9pPr marL="3886200" indent="-228600" algn="l" defTabSz="914400" rtl="0" eaLnBrk="1" latinLnBrk="0" hangingPunct="1">
-              <a:lnSpc>
-                <a:spcPct val="90000"/>
-              </a:lnSpc>
-              <a:spcBef>
-                <a:spcPts val="500"/>
-              </a:spcBef>
-              <a:buFont typeface="Arial" panose="020B0604020202020204" pitchFamily="34" charset="0"/>
-              <a:buChar char="•"/>
-              <a:defRPr sz="1800" kern="1200">
-                <a:solidFill>
-                  <a:schemeClr val="tx1"/>
-                </a:solidFill>
-                <a:latin typeface="+mn-lt"/>
-                <a:ea typeface="+mn-ea"/>
-                <a:cs typeface="+mn-cs"/>
-              </a:defRPr>
-            </a:lvl9pPr>
-          </a:lstStyle>
-          <a:p>
-            <a:pPr marL="0" indent="0">
-              <a:buFont typeface="Arial" panose="020B0604020202020204" pitchFamily="34" charset="0"/>
-              <a:buNone/>
-            </a:pPr>
-            <a:r>
-              <a:rPr lang="es-MX" sz="1700" dirty="0">
-                <a:solidFill>
-                  <a:srgbClr val="264E59"/>
-                </a:solidFill>
-              </a:rPr>
-              <a:t>20%</a:t>
-            </a:r>
-          </a:p>
-        </p:txBody>
-      </p:sp>
-      <p:pic>
-        <p:nvPicPr>
           <p:cNvPr id="57" name="Imagen 56">
             <a:extLst>
               <a:ext uri="{FF2B5EF4-FFF2-40B4-BE49-F238E27FC236}">
@@ -13444,7 +13427,7 @@
           <p:nvPr/>
         </p:nvPicPr>
         <p:blipFill rotWithShape="1">
-          <a:blip r:embed="rId14">
+          <a:blip r:embed="rId8">
             <a:extLst>
               <a:ext uri="{28A0092B-C50C-407E-A947-70E740481C1C}">
                 <a14:useLocalDpi xmlns:a14="http://schemas.microsoft.com/office/drawing/2010/main" val="0"/>
@@ -13526,7 +13509,7 @@
           <p:nvPr/>
         </p:nvPicPr>
         <p:blipFill rotWithShape="1">
-          <a:blip r:embed="rId15">
+          <a:blip r:embed="rId9">
             <a:extLst>
               <a:ext uri="{28A0092B-C50C-407E-A947-70E740481C1C}">
                 <a14:useLocalDpi xmlns:a14="http://schemas.microsoft.com/office/drawing/2010/main" val="0"/>
@@ -13546,48 +13529,6 @@
           </a:prstGeom>
         </p:spPr>
       </p:pic>
-      <p:cxnSp>
-        <p:nvCxnSpPr>
-          <p:cNvPr id="73" name="Conector: angular 72">
-            <a:extLst>
-              <a:ext uri="{FF2B5EF4-FFF2-40B4-BE49-F238E27FC236}">
-                <a16:creationId xmlns:a16="http://schemas.microsoft.com/office/drawing/2014/main" id="{6FE8A4D0-24F9-40DC-A108-33A865806CE0}"/>
-              </a:ext>
-            </a:extLst>
-          </p:cNvPr>
-          <p:cNvCxnSpPr>
-            <a:cxnSpLocks/>
-            <a:stCxn id="62" idx="1"/>
-          </p:cNvCxnSpPr>
-          <p:nvPr/>
-        </p:nvCxnSpPr>
-        <p:spPr>
-          <a:xfrm rot="10800000">
-            <a:off x="3762375" y="6353175"/>
-            <a:ext cx="2798672" cy="113266"/>
-          </a:xfrm>
-          <a:prstGeom prst="bentConnector3">
-            <a:avLst/>
-          </a:prstGeom>
-          <a:ln>
-            <a:tailEnd type="triangle"/>
-          </a:ln>
-        </p:spPr>
-        <p:style>
-          <a:lnRef idx="1">
-            <a:schemeClr val="accent1"/>
-          </a:lnRef>
-          <a:fillRef idx="0">
-            <a:schemeClr val="accent1"/>
-          </a:fillRef>
-          <a:effectRef idx="0">
-            <a:schemeClr val="accent1"/>
-          </a:effectRef>
-          <a:fontRef idx="minor">
-            <a:schemeClr val="tx1"/>
-          </a:fontRef>
-        </p:style>
-      </p:cxnSp>
       <p:pic>
         <p:nvPicPr>
           <p:cNvPr id="1044" name="Picture 20" descr="Flask - Wikipedia, la enciclopedia libre">
@@ -13603,7 +13544,7 @@
           <p:nvPr/>
         </p:nvPicPr>
         <p:blipFill>
-          <a:blip r:embed="rId16">
+          <a:blip r:embed="rId10">
             <a:extLst>
               <a:ext uri="{28A0092B-C50C-407E-A947-70E740481C1C}">
                 <a14:useLocalDpi xmlns:a14="http://schemas.microsoft.com/office/drawing/2010/main" val="0"/>
@@ -13650,7 +13591,7 @@
           <p:nvPr/>
         </p:nvPicPr>
         <p:blipFill>
-          <a:blip r:embed="rId17">
+          <a:blip r:embed="rId11">
             <a:extLst>
               <a:ext uri="{28A0092B-C50C-407E-A947-70E740481C1C}">
                 <a14:useLocalDpi xmlns:a14="http://schemas.microsoft.com/office/drawing/2010/main" val="0"/>
@@ -13697,7 +13638,7 @@
           <p:nvPr/>
         </p:nvPicPr>
         <p:blipFill rotWithShape="1">
-          <a:blip r:embed="rId18">
+          <a:blip r:embed="rId12">
             <a:extLst>
               <a:ext uri="{28A0092B-C50C-407E-A947-70E740481C1C}">
                 <a14:useLocalDpi xmlns:a14="http://schemas.microsoft.com/office/drawing/2010/main" val="0"/>
@@ -13742,7 +13683,7 @@
           <p:nvPr/>
         </p:nvPicPr>
         <p:blipFill rotWithShape="1">
-          <a:blip r:embed="rId19">
+          <a:blip r:embed="rId13">
             <a:extLst>
               <a:ext uri="{28A0092B-C50C-407E-A947-70E740481C1C}">
                 <a14:useLocalDpi xmlns:a14="http://schemas.microsoft.com/office/drawing/2010/main" val="0"/>
@@ -13787,7 +13728,7 @@
           <p:nvPr/>
         </p:nvPicPr>
         <p:blipFill rotWithShape="1">
-          <a:blip r:embed="rId19">
+          <a:blip r:embed="rId13">
             <a:extLst>
               <a:ext uri="{28A0092B-C50C-407E-A947-70E740481C1C}">
                 <a14:useLocalDpi xmlns:a14="http://schemas.microsoft.com/office/drawing/2010/main" val="0"/>
@@ -13832,7 +13773,7 @@
           <p:nvPr/>
         </p:nvPicPr>
         <p:blipFill rotWithShape="1">
-          <a:blip r:embed="rId19">
+          <a:blip r:embed="rId13">
             <a:extLst>
               <a:ext uri="{28A0092B-C50C-407E-A947-70E740481C1C}">
                 <a14:useLocalDpi xmlns:a14="http://schemas.microsoft.com/office/drawing/2010/main" val="0"/>
@@ -13877,7 +13818,7 @@
           <p:nvPr/>
         </p:nvPicPr>
         <p:blipFill>
-          <a:blip r:embed="rId20">
+          <a:blip r:embed="rId14">
             <a:extLst>
               <a:ext uri="{28A0092B-C50C-407E-A947-70E740481C1C}">
                 <a14:useLocalDpi xmlns:a14="http://schemas.microsoft.com/office/drawing/2010/main" val="0"/>
@@ -14118,6 +14059,683 @@
                 <a:srgbClr val="7030A0"/>
               </a:solidFill>
             </a:endParaRPr>
+          </a:p>
+        </p:txBody>
+      </p:sp>
+      <p:graphicFrame>
+        <p:nvGraphicFramePr>
+          <p:cNvPr id="30" name="Gráfico 29">
+            <a:extLst>
+              <a:ext uri="{FF2B5EF4-FFF2-40B4-BE49-F238E27FC236}">
+                <a16:creationId xmlns:a16="http://schemas.microsoft.com/office/drawing/2014/main" id="{E4823035-8E3B-4CB7-B063-8C833ED8D054}"/>
+              </a:ext>
+            </a:extLst>
+          </p:cNvPr>
+          <p:cNvGraphicFramePr>
+            <a:graphicFrameLocks/>
+          </p:cNvGraphicFramePr>
+          <p:nvPr>
+            <p:extLst>
+              <p:ext uri="{D42A27DB-BD31-4B8C-83A1-F6EECF244321}">
+                <p14:modId xmlns:p14="http://schemas.microsoft.com/office/powerpoint/2010/main" val="2551276981"/>
+              </p:ext>
+            </p:extLst>
+          </p:nvPr>
+        </p:nvGraphicFramePr>
+        <p:xfrm>
+          <a:off x="9968126" y="202658"/>
+          <a:ext cx="1236475" cy="1160569"/>
+        </p:xfrm>
+        <a:graphic>
+          <a:graphicData uri="http://schemas.openxmlformats.org/drawingml/2006/chart">
+            <c:chart xmlns:c="http://schemas.openxmlformats.org/drawingml/2006/chart" xmlns:r="http://schemas.openxmlformats.org/officeDocument/2006/relationships" r:id="rId15"/>
+          </a:graphicData>
+        </a:graphic>
+      </p:graphicFrame>
+      <p:sp>
+        <p:nvSpPr>
+          <p:cNvPr id="63" name="Marcador de contenido 2">
+            <a:extLst>
+              <a:ext uri="{FF2B5EF4-FFF2-40B4-BE49-F238E27FC236}">
+                <a16:creationId xmlns:a16="http://schemas.microsoft.com/office/drawing/2014/main" id="{3D19C736-A91B-4877-9BCB-3FE8A271C72D}"/>
+              </a:ext>
+            </a:extLst>
+          </p:cNvPr>
+          <p:cNvSpPr>
+            <a:spLocks noGrp="1"/>
+          </p:cNvSpPr>
+          <p:nvPr>
+            <p:ph idx="1"/>
+          </p:nvPr>
+        </p:nvSpPr>
+        <p:spPr>
+          <a:xfrm>
+            <a:off x="11076791" y="615749"/>
+            <a:ext cx="419577" cy="349398"/>
+          </a:xfrm>
+        </p:spPr>
+        <p:txBody>
+          <a:bodyPr>
+            <a:normAutofit/>
+          </a:bodyPr>
+          <a:lstStyle/>
+          <a:p>
+            <a:pPr marL="0" indent="0">
+              <a:buNone/>
+            </a:pPr>
+            <a:r>
+              <a:rPr lang="es-MX" sz="1800" dirty="0"/>
+              <a:t>70</a:t>
+            </a:r>
+          </a:p>
+        </p:txBody>
+      </p:sp>
+      <p:sp>
+        <p:nvSpPr>
+          <p:cNvPr id="65" name="Marcador de contenido 2">
+            <a:extLst>
+              <a:ext uri="{FF2B5EF4-FFF2-40B4-BE49-F238E27FC236}">
+                <a16:creationId xmlns:a16="http://schemas.microsoft.com/office/drawing/2014/main" id="{4040B223-B084-42FB-9894-4D0159DBCFF8}"/>
+              </a:ext>
+            </a:extLst>
+          </p:cNvPr>
+          <p:cNvSpPr txBox="1">
+            <a:spLocks/>
+          </p:cNvSpPr>
+          <p:nvPr/>
+        </p:nvSpPr>
+        <p:spPr>
+          <a:xfrm>
+            <a:off x="9997942" y="396962"/>
+            <a:ext cx="588422" cy="393486"/>
+          </a:xfrm>
+          <a:prstGeom prst="rect">
+            <a:avLst/>
+          </a:prstGeom>
+        </p:spPr>
+        <p:txBody>
+          <a:bodyPr vert="horz" lIns="91440" tIns="45720" rIns="91440" bIns="45720" rtlCol="0">
+            <a:normAutofit/>
+          </a:bodyPr>
+          <a:lstStyle>
+            <a:lvl1pPr marL="228600" indent="-228600" algn="l" defTabSz="914400" rtl="0" eaLnBrk="1" latinLnBrk="0" hangingPunct="1">
+              <a:lnSpc>
+                <a:spcPct val="90000"/>
+              </a:lnSpc>
+              <a:spcBef>
+                <a:spcPts val="1000"/>
+              </a:spcBef>
+              <a:buFont typeface="Arial" panose="020B0604020202020204" pitchFamily="34" charset="0"/>
+              <a:buChar char="•"/>
+              <a:defRPr sz="2800" kern="1200">
+                <a:solidFill>
+                  <a:schemeClr val="tx1"/>
+                </a:solidFill>
+                <a:latin typeface="+mn-lt"/>
+                <a:ea typeface="+mn-ea"/>
+                <a:cs typeface="+mn-cs"/>
+              </a:defRPr>
+            </a:lvl1pPr>
+            <a:lvl2pPr marL="685800" indent="-228600" algn="l" defTabSz="914400" rtl="0" eaLnBrk="1" latinLnBrk="0" hangingPunct="1">
+              <a:lnSpc>
+                <a:spcPct val="90000"/>
+              </a:lnSpc>
+              <a:spcBef>
+                <a:spcPts val="500"/>
+              </a:spcBef>
+              <a:buFont typeface="Arial" panose="020B0604020202020204" pitchFamily="34" charset="0"/>
+              <a:buChar char="•"/>
+              <a:defRPr sz="2400" kern="1200">
+                <a:solidFill>
+                  <a:schemeClr val="tx1"/>
+                </a:solidFill>
+                <a:latin typeface="+mn-lt"/>
+                <a:ea typeface="+mn-ea"/>
+                <a:cs typeface="+mn-cs"/>
+              </a:defRPr>
+            </a:lvl2pPr>
+            <a:lvl3pPr marL="1143000" indent="-228600" algn="l" defTabSz="914400" rtl="0" eaLnBrk="1" latinLnBrk="0" hangingPunct="1">
+              <a:lnSpc>
+                <a:spcPct val="90000"/>
+              </a:lnSpc>
+              <a:spcBef>
+                <a:spcPts val="500"/>
+              </a:spcBef>
+              <a:buFont typeface="Arial" panose="020B0604020202020204" pitchFamily="34" charset="0"/>
+              <a:buChar char="•"/>
+              <a:defRPr sz="2000" kern="1200">
+                <a:solidFill>
+                  <a:schemeClr val="tx1"/>
+                </a:solidFill>
+                <a:latin typeface="+mn-lt"/>
+                <a:ea typeface="+mn-ea"/>
+                <a:cs typeface="+mn-cs"/>
+              </a:defRPr>
+            </a:lvl3pPr>
+            <a:lvl4pPr marL="1600200" indent="-228600" algn="l" defTabSz="914400" rtl="0" eaLnBrk="1" latinLnBrk="0" hangingPunct="1">
+              <a:lnSpc>
+                <a:spcPct val="90000"/>
+              </a:lnSpc>
+              <a:spcBef>
+                <a:spcPts val="500"/>
+              </a:spcBef>
+              <a:buFont typeface="Arial" panose="020B0604020202020204" pitchFamily="34" charset="0"/>
+              <a:buChar char="•"/>
+              <a:defRPr sz="1800" kern="1200">
+                <a:solidFill>
+                  <a:schemeClr val="tx1"/>
+                </a:solidFill>
+                <a:latin typeface="+mn-lt"/>
+                <a:ea typeface="+mn-ea"/>
+                <a:cs typeface="+mn-cs"/>
+              </a:defRPr>
+            </a:lvl4pPr>
+            <a:lvl5pPr marL="2057400" indent="-228600" algn="l" defTabSz="914400" rtl="0" eaLnBrk="1" latinLnBrk="0" hangingPunct="1">
+              <a:lnSpc>
+                <a:spcPct val="90000"/>
+              </a:lnSpc>
+              <a:spcBef>
+                <a:spcPts val="500"/>
+              </a:spcBef>
+              <a:buFont typeface="Arial" panose="020B0604020202020204" pitchFamily="34" charset="0"/>
+              <a:buChar char="•"/>
+              <a:defRPr sz="1800" kern="1200">
+                <a:solidFill>
+                  <a:schemeClr val="tx1"/>
+                </a:solidFill>
+                <a:latin typeface="+mn-lt"/>
+                <a:ea typeface="+mn-ea"/>
+                <a:cs typeface="+mn-cs"/>
+              </a:defRPr>
+            </a:lvl5pPr>
+            <a:lvl6pPr marL="2514600" indent="-228600" algn="l" defTabSz="914400" rtl="0" eaLnBrk="1" latinLnBrk="0" hangingPunct="1">
+              <a:lnSpc>
+                <a:spcPct val="90000"/>
+              </a:lnSpc>
+              <a:spcBef>
+                <a:spcPts val="500"/>
+              </a:spcBef>
+              <a:buFont typeface="Arial" panose="020B0604020202020204" pitchFamily="34" charset="0"/>
+              <a:buChar char="•"/>
+              <a:defRPr sz="1800" kern="1200">
+                <a:solidFill>
+                  <a:schemeClr val="tx1"/>
+                </a:solidFill>
+                <a:latin typeface="+mn-lt"/>
+                <a:ea typeface="+mn-ea"/>
+                <a:cs typeface="+mn-cs"/>
+              </a:defRPr>
+            </a:lvl6pPr>
+            <a:lvl7pPr marL="2971800" indent="-228600" algn="l" defTabSz="914400" rtl="0" eaLnBrk="1" latinLnBrk="0" hangingPunct="1">
+              <a:lnSpc>
+                <a:spcPct val="90000"/>
+              </a:lnSpc>
+              <a:spcBef>
+                <a:spcPts val="500"/>
+              </a:spcBef>
+              <a:buFont typeface="Arial" panose="020B0604020202020204" pitchFamily="34" charset="0"/>
+              <a:buChar char="•"/>
+              <a:defRPr sz="1800" kern="1200">
+                <a:solidFill>
+                  <a:schemeClr val="tx1"/>
+                </a:solidFill>
+                <a:latin typeface="+mn-lt"/>
+                <a:ea typeface="+mn-ea"/>
+                <a:cs typeface="+mn-cs"/>
+              </a:defRPr>
+            </a:lvl7pPr>
+            <a:lvl8pPr marL="3429000" indent="-228600" algn="l" defTabSz="914400" rtl="0" eaLnBrk="1" latinLnBrk="0" hangingPunct="1">
+              <a:lnSpc>
+                <a:spcPct val="90000"/>
+              </a:lnSpc>
+              <a:spcBef>
+                <a:spcPts val="500"/>
+              </a:spcBef>
+              <a:buFont typeface="Arial" panose="020B0604020202020204" pitchFamily="34" charset="0"/>
+              <a:buChar char="•"/>
+              <a:defRPr sz="1800" kern="1200">
+                <a:solidFill>
+                  <a:schemeClr val="tx1"/>
+                </a:solidFill>
+                <a:latin typeface="+mn-lt"/>
+                <a:ea typeface="+mn-ea"/>
+                <a:cs typeface="+mn-cs"/>
+              </a:defRPr>
+            </a:lvl8pPr>
+            <a:lvl9pPr marL="3886200" indent="-228600" algn="l" defTabSz="914400" rtl="0" eaLnBrk="1" latinLnBrk="0" hangingPunct="1">
+              <a:lnSpc>
+                <a:spcPct val="90000"/>
+              </a:lnSpc>
+              <a:spcBef>
+                <a:spcPts val="500"/>
+              </a:spcBef>
+              <a:buFont typeface="Arial" panose="020B0604020202020204" pitchFamily="34" charset="0"/>
+              <a:buChar char="•"/>
+              <a:defRPr sz="1800" kern="1200">
+                <a:solidFill>
+                  <a:schemeClr val="tx1"/>
+                </a:solidFill>
+                <a:latin typeface="+mn-lt"/>
+                <a:ea typeface="+mn-ea"/>
+                <a:cs typeface="+mn-cs"/>
+              </a:defRPr>
+            </a:lvl9pPr>
+          </a:lstStyle>
+          <a:p>
+            <a:pPr marL="0" indent="0">
+              <a:buFont typeface="Arial" panose="020B0604020202020204" pitchFamily="34" charset="0"/>
+              <a:buNone/>
+            </a:pPr>
+            <a:r>
+              <a:rPr lang="es-MX" sz="1100" dirty="0"/>
+              <a:t>20%</a:t>
+            </a:r>
+          </a:p>
+        </p:txBody>
+      </p:sp>
+      <p:sp>
+        <p:nvSpPr>
+          <p:cNvPr id="64" name="Marcador de contenido 2">
+            <a:extLst>
+              <a:ext uri="{FF2B5EF4-FFF2-40B4-BE49-F238E27FC236}">
+                <a16:creationId xmlns:a16="http://schemas.microsoft.com/office/drawing/2014/main" id="{98D01804-CC01-4EE1-AB35-654DF33E1FA5}"/>
+              </a:ext>
+            </a:extLst>
+          </p:cNvPr>
+          <p:cNvSpPr txBox="1">
+            <a:spLocks/>
+          </p:cNvSpPr>
+          <p:nvPr/>
+        </p:nvSpPr>
+        <p:spPr>
+          <a:xfrm>
+            <a:off x="10397208" y="124877"/>
+            <a:ext cx="498274" cy="368375"/>
+          </a:xfrm>
+          <a:prstGeom prst="rect">
+            <a:avLst/>
+          </a:prstGeom>
+        </p:spPr>
+        <p:txBody>
+          <a:bodyPr vert="horz" lIns="91440" tIns="45720" rIns="91440" bIns="45720" rtlCol="0">
+            <a:normAutofit/>
+          </a:bodyPr>
+          <a:lstStyle>
+            <a:lvl1pPr marL="228600" indent="-228600" algn="l" defTabSz="914400" rtl="0" eaLnBrk="1" latinLnBrk="0" hangingPunct="1">
+              <a:lnSpc>
+                <a:spcPct val="90000"/>
+              </a:lnSpc>
+              <a:spcBef>
+                <a:spcPts val="1000"/>
+              </a:spcBef>
+              <a:buFont typeface="Arial" panose="020B0604020202020204" pitchFamily="34" charset="0"/>
+              <a:buChar char="•"/>
+              <a:defRPr sz="2800" kern="1200">
+                <a:solidFill>
+                  <a:schemeClr val="tx1"/>
+                </a:solidFill>
+                <a:latin typeface="+mn-lt"/>
+                <a:ea typeface="+mn-ea"/>
+                <a:cs typeface="+mn-cs"/>
+              </a:defRPr>
+            </a:lvl1pPr>
+            <a:lvl2pPr marL="685800" indent="-228600" algn="l" defTabSz="914400" rtl="0" eaLnBrk="1" latinLnBrk="0" hangingPunct="1">
+              <a:lnSpc>
+                <a:spcPct val="90000"/>
+              </a:lnSpc>
+              <a:spcBef>
+                <a:spcPts val="500"/>
+              </a:spcBef>
+              <a:buFont typeface="Arial" panose="020B0604020202020204" pitchFamily="34" charset="0"/>
+              <a:buChar char="•"/>
+              <a:defRPr sz="2400" kern="1200">
+                <a:solidFill>
+                  <a:schemeClr val="tx1"/>
+                </a:solidFill>
+                <a:latin typeface="+mn-lt"/>
+                <a:ea typeface="+mn-ea"/>
+                <a:cs typeface="+mn-cs"/>
+              </a:defRPr>
+            </a:lvl2pPr>
+            <a:lvl3pPr marL="1143000" indent="-228600" algn="l" defTabSz="914400" rtl="0" eaLnBrk="1" latinLnBrk="0" hangingPunct="1">
+              <a:lnSpc>
+                <a:spcPct val="90000"/>
+              </a:lnSpc>
+              <a:spcBef>
+                <a:spcPts val="500"/>
+              </a:spcBef>
+              <a:buFont typeface="Arial" panose="020B0604020202020204" pitchFamily="34" charset="0"/>
+              <a:buChar char="•"/>
+              <a:defRPr sz="2000" kern="1200">
+                <a:solidFill>
+                  <a:schemeClr val="tx1"/>
+                </a:solidFill>
+                <a:latin typeface="+mn-lt"/>
+                <a:ea typeface="+mn-ea"/>
+                <a:cs typeface="+mn-cs"/>
+              </a:defRPr>
+            </a:lvl3pPr>
+            <a:lvl4pPr marL="1600200" indent="-228600" algn="l" defTabSz="914400" rtl="0" eaLnBrk="1" latinLnBrk="0" hangingPunct="1">
+              <a:lnSpc>
+                <a:spcPct val="90000"/>
+              </a:lnSpc>
+              <a:spcBef>
+                <a:spcPts val="500"/>
+              </a:spcBef>
+              <a:buFont typeface="Arial" panose="020B0604020202020204" pitchFamily="34" charset="0"/>
+              <a:buChar char="•"/>
+              <a:defRPr sz="1800" kern="1200">
+                <a:solidFill>
+                  <a:schemeClr val="tx1"/>
+                </a:solidFill>
+                <a:latin typeface="+mn-lt"/>
+                <a:ea typeface="+mn-ea"/>
+                <a:cs typeface="+mn-cs"/>
+              </a:defRPr>
+            </a:lvl4pPr>
+            <a:lvl5pPr marL="2057400" indent="-228600" algn="l" defTabSz="914400" rtl="0" eaLnBrk="1" latinLnBrk="0" hangingPunct="1">
+              <a:lnSpc>
+                <a:spcPct val="90000"/>
+              </a:lnSpc>
+              <a:spcBef>
+                <a:spcPts val="500"/>
+              </a:spcBef>
+              <a:buFont typeface="Arial" panose="020B0604020202020204" pitchFamily="34" charset="0"/>
+              <a:buChar char="•"/>
+              <a:defRPr sz="1800" kern="1200">
+                <a:solidFill>
+                  <a:schemeClr val="tx1"/>
+                </a:solidFill>
+                <a:latin typeface="+mn-lt"/>
+                <a:ea typeface="+mn-ea"/>
+                <a:cs typeface="+mn-cs"/>
+              </a:defRPr>
+            </a:lvl5pPr>
+            <a:lvl6pPr marL="2514600" indent="-228600" algn="l" defTabSz="914400" rtl="0" eaLnBrk="1" latinLnBrk="0" hangingPunct="1">
+              <a:lnSpc>
+                <a:spcPct val="90000"/>
+              </a:lnSpc>
+              <a:spcBef>
+                <a:spcPts val="500"/>
+              </a:spcBef>
+              <a:buFont typeface="Arial" panose="020B0604020202020204" pitchFamily="34" charset="0"/>
+              <a:buChar char="•"/>
+              <a:defRPr sz="1800" kern="1200">
+                <a:solidFill>
+                  <a:schemeClr val="tx1"/>
+                </a:solidFill>
+                <a:latin typeface="+mn-lt"/>
+                <a:ea typeface="+mn-ea"/>
+                <a:cs typeface="+mn-cs"/>
+              </a:defRPr>
+            </a:lvl6pPr>
+            <a:lvl7pPr marL="2971800" indent="-228600" algn="l" defTabSz="914400" rtl="0" eaLnBrk="1" latinLnBrk="0" hangingPunct="1">
+              <a:lnSpc>
+                <a:spcPct val="90000"/>
+              </a:lnSpc>
+              <a:spcBef>
+                <a:spcPts val="500"/>
+              </a:spcBef>
+              <a:buFont typeface="Arial" panose="020B0604020202020204" pitchFamily="34" charset="0"/>
+              <a:buChar char="•"/>
+              <a:defRPr sz="1800" kern="1200">
+                <a:solidFill>
+                  <a:schemeClr val="tx1"/>
+                </a:solidFill>
+                <a:latin typeface="+mn-lt"/>
+                <a:ea typeface="+mn-ea"/>
+                <a:cs typeface="+mn-cs"/>
+              </a:defRPr>
+            </a:lvl7pPr>
+            <a:lvl8pPr marL="3429000" indent="-228600" algn="l" defTabSz="914400" rtl="0" eaLnBrk="1" latinLnBrk="0" hangingPunct="1">
+              <a:lnSpc>
+                <a:spcPct val="90000"/>
+              </a:lnSpc>
+              <a:spcBef>
+                <a:spcPts val="500"/>
+              </a:spcBef>
+              <a:buFont typeface="Arial" panose="020B0604020202020204" pitchFamily="34" charset="0"/>
+              <a:buChar char="•"/>
+              <a:defRPr sz="1800" kern="1200">
+                <a:solidFill>
+                  <a:schemeClr val="tx1"/>
+                </a:solidFill>
+                <a:latin typeface="+mn-lt"/>
+                <a:ea typeface="+mn-ea"/>
+                <a:cs typeface="+mn-cs"/>
+              </a:defRPr>
+            </a:lvl8pPr>
+            <a:lvl9pPr marL="3886200" indent="-228600" algn="l" defTabSz="914400" rtl="0" eaLnBrk="1" latinLnBrk="0" hangingPunct="1">
+              <a:lnSpc>
+                <a:spcPct val="90000"/>
+              </a:lnSpc>
+              <a:spcBef>
+                <a:spcPts val="500"/>
+              </a:spcBef>
+              <a:buFont typeface="Arial" panose="020B0604020202020204" pitchFamily="34" charset="0"/>
+              <a:buChar char="•"/>
+              <a:defRPr sz="1800" kern="1200">
+                <a:solidFill>
+                  <a:schemeClr val="tx1"/>
+                </a:solidFill>
+                <a:latin typeface="+mn-lt"/>
+                <a:ea typeface="+mn-ea"/>
+                <a:cs typeface="+mn-cs"/>
+              </a:defRPr>
+            </a:lvl9pPr>
+          </a:lstStyle>
+          <a:p>
+            <a:pPr marL="0" indent="0">
+              <a:buFont typeface="Arial" panose="020B0604020202020204" pitchFamily="34" charset="0"/>
+              <a:buNone/>
+            </a:pPr>
+            <a:r>
+              <a:rPr lang="es-MX" sz="1050" dirty="0"/>
+              <a:t>10%</a:t>
+            </a:r>
+          </a:p>
+        </p:txBody>
+      </p:sp>
+      <p:sp>
+        <p:nvSpPr>
+          <p:cNvPr id="32" name="Marcador de contenido 2">
+            <a:extLst>
+              <a:ext uri="{FF2B5EF4-FFF2-40B4-BE49-F238E27FC236}">
+                <a16:creationId xmlns:a16="http://schemas.microsoft.com/office/drawing/2014/main" id="{7DE68700-22CF-43C5-943C-9E6992C3E629}"/>
+              </a:ext>
+            </a:extLst>
+          </p:cNvPr>
+          <p:cNvSpPr txBox="1">
+            <a:spLocks/>
+          </p:cNvSpPr>
+          <p:nvPr/>
+        </p:nvSpPr>
+        <p:spPr>
+          <a:xfrm>
+            <a:off x="11345480" y="615749"/>
+            <a:ext cx="150888" cy="349398"/>
+          </a:xfrm>
+          <a:prstGeom prst="rect">
+            <a:avLst/>
+          </a:prstGeom>
+        </p:spPr>
+        <p:txBody>
+          <a:bodyPr vert="horz" lIns="91440" tIns="45720" rIns="91440" bIns="45720" rtlCol="0">
+            <a:normAutofit/>
+          </a:bodyPr>
+          <a:lstStyle>
+            <a:lvl1pPr marL="228600" indent="-228600" algn="l" defTabSz="914400" rtl="0" eaLnBrk="1" latinLnBrk="0" hangingPunct="1">
+              <a:lnSpc>
+                <a:spcPct val="90000"/>
+              </a:lnSpc>
+              <a:spcBef>
+                <a:spcPts val="1000"/>
+              </a:spcBef>
+              <a:buFont typeface="Arial" panose="020B0604020202020204" pitchFamily="34" charset="0"/>
+              <a:buChar char="•"/>
+              <a:defRPr sz="2800" kern="1200">
+                <a:solidFill>
+                  <a:schemeClr val="tx1"/>
+                </a:solidFill>
+                <a:latin typeface="+mn-lt"/>
+                <a:ea typeface="+mn-ea"/>
+                <a:cs typeface="+mn-cs"/>
+              </a:defRPr>
+            </a:lvl1pPr>
+            <a:lvl2pPr marL="685800" indent="-228600" algn="l" defTabSz="914400" rtl="0" eaLnBrk="1" latinLnBrk="0" hangingPunct="1">
+              <a:lnSpc>
+                <a:spcPct val="90000"/>
+              </a:lnSpc>
+              <a:spcBef>
+                <a:spcPts val="500"/>
+              </a:spcBef>
+              <a:buFont typeface="Arial" panose="020B0604020202020204" pitchFamily="34" charset="0"/>
+              <a:buChar char="•"/>
+              <a:defRPr sz="2400" kern="1200">
+                <a:solidFill>
+                  <a:schemeClr val="tx1"/>
+                </a:solidFill>
+                <a:latin typeface="+mn-lt"/>
+                <a:ea typeface="+mn-ea"/>
+                <a:cs typeface="+mn-cs"/>
+              </a:defRPr>
+            </a:lvl2pPr>
+            <a:lvl3pPr marL="1143000" indent="-228600" algn="l" defTabSz="914400" rtl="0" eaLnBrk="1" latinLnBrk="0" hangingPunct="1">
+              <a:lnSpc>
+                <a:spcPct val="90000"/>
+              </a:lnSpc>
+              <a:spcBef>
+                <a:spcPts val="500"/>
+              </a:spcBef>
+              <a:buFont typeface="Arial" panose="020B0604020202020204" pitchFamily="34" charset="0"/>
+              <a:buChar char="•"/>
+              <a:defRPr sz="2000" kern="1200">
+                <a:solidFill>
+                  <a:schemeClr val="tx1"/>
+                </a:solidFill>
+                <a:latin typeface="+mn-lt"/>
+                <a:ea typeface="+mn-ea"/>
+                <a:cs typeface="+mn-cs"/>
+              </a:defRPr>
+            </a:lvl3pPr>
+            <a:lvl4pPr marL="1600200" indent="-228600" algn="l" defTabSz="914400" rtl="0" eaLnBrk="1" latinLnBrk="0" hangingPunct="1">
+              <a:lnSpc>
+                <a:spcPct val="90000"/>
+              </a:lnSpc>
+              <a:spcBef>
+                <a:spcPts val="500"/>
+              </a:spcBef>
+              <a:buFont typeface="Arial" panose="020B0604020202020204" pitchFamily="34" charset="0"/>
+              <a:buChar char="•"/>
+              <a:defRPr sz="1800" kern="1200">
+                <a:solidFill>
+                  <a:schemeClr val="tx1"/>
+                </a:solidFill>
+                <a:latin typeface="+mn-lt"/>
+                <a:ea typeface="+mn-ea"/>
+                <a:cs typeface="+mn-cs"/>
+              </a:defRPr>
+            </a:lvl4pPr>
+            <a:lvl5pPr marL="2057400" indent="-228600" algn="l" defTabSz="914400" rtl="0" eaLnBrk="1" latinLnBrk="0" hangingPunct="1">
+              <a:lnSpc>
+                <a:spcPct val="90000"/>
+              </a:lnSpc>
+              <a:spcBef>
+                <a:spcPts val="500"/>
+              </a:spcBef>
+              <a:buFont typeface="Arial" panose="020B0604020202020204" pitchFamily="34" charset="0"/>
+              <a:buChar char="•"/>
+              <a:defRPr sz="1800" kern="1200">
+                <a:solidFill>
+                  <a:schemeClr val="tx1"/>
+                </a:solidFill>
+                <a:latin typeface="+mn-lt"/>
+                <a:ea typeface="+mn-ea"/>
+                <a:cs typeface="+mn-cs"/>
+              </a:defRPr>
+            </a:lvl5pPr>
+            <a:lvl6pPr marL="2514600" indent="-228600" algn="l" defTabSz="914400" rtl="0" eaLnBrk="1" latinLnBrk="0" hangingPunct="1">
+              <a:lnSpc>
+                <a:spcPct val="90000"/>
+              </a:lnSpc>
+              <a:spcBef>
+                <a:spcPts val="500"/>
+              </a:spcBef>
+              <a:buFont typeface="Arial" panose="020B0604020202020204" pitchFamily="34" charset="0"/>
+              <a:buChar char="•"/>
+              <a:defRPr sz="1800" kern="1200">
+                <a:solidFill>
+                  <a:schemeClr val="tx1"/>
+                </a:solidFill>
+                <a:latin typeface="+mn-lt"/>
+                <a:ea typeface="+mn-ea"/>
+                <a:cs typeface="+mn-cs"/>
+              </a:defRPr>
+            </a:lvl6pPr>
+            <a:lvl7pPr marL="2971800" indent="-228600" algn="l" defTabSz="914400" rtl="0" eaLnBrk="1" latinLnBrk="0" hangingPunct="1">
+              <a:lnSpc>
+                <a:spcPct val="90000"/>
+              </a:lnSpc>
+              <a:spcBef>
+                <a:spcPts val="500"/>
+              </a:spcBef>
+              <a:buFont typeface="Arial" panose="020B0604020202020204" pitchFamily="34" charset="0"/>
+              <a:buChar char="•"/>
+              <a:defRPr sz="1800" kern="1200">
+                <a:solidFill>
+                  <a:schemeClr val="tx1"/>
+                </a:solidFill>
+                <a:latin typeface="+mn-lt"/>
+                <a:ea typeface="+mn-ea"/>
+                <a:cs typeface="+mn-cs"/>
+              </a:defRPr>
+            </a:lvl7pPr>
+            <a:lvl8pPr marL="3429000" indent="-228600" algn="l" defTabSz="914400" rtl="0" eaLnBrk="1" latinLnBrk="0" hangingPunct="1">
+              <a:lnSpc>
+                <a:spcPct val="90000"/>
+              </a:lnSpc>
+              <a:spcBef>
+                <a:spcPts val="500"/>
+              </a:spcBef>
+              <a:buFont typeface="Arial" panose="020B0604020202020204" pitchFamily="34" charset="0"/>
+              <a:buChar char="•"/>
+              <a:defRPr sz="1800" kern="1200">
+                <a:solidFill>
+                  <a:schemeClr val="tx1"/>
+                </a:solidFill>
+                <a:latin typeface="+mn-lt"/>
+                <a:ea typeface="+mn-ea"/>
+                <a:cs typeface="+mn-cs"/>
+              </a:defRPr>
+            </a:lvl8pPr>
+            <a:lvl9pPr marL="3886200" indent="-228600" algn="l" defTabSz="914400" rtl="0" eaLnBrk="1" latinLnBrk="0" hangingPunct="1">
+              <a:lnSpc>
+                <a:spcPct val="90000"/>
+              </a:lnSpc>
+              <a:spcBef>
+                <a:spcPts val="500"/>
+              </a:spcBef>
+              <a:buFont typeface="Arial" panose="020B0604020202020204" pitchFamily="34" charset="0"/>
+              <a:buChar char="•"/>
+              <a:defRPr sz="1800" kern="1200">
+                <a:solidFill>
+                  <a:schemeClr val="tx1"/>
+                </a:solidFill>
+                <a:latin typeface="+mn-lt"/>
+                <a:ea typeface="+mn-ea"/>
+                <a:cs typeface="+mn-cs"/>
+              </a:defRPr>
+            </a:lvl9pPr>
+          </a:lstStyle>
+          <a:p>
+            <a:pPr marL="0" indent="0">
+              <a:buFont typeface="Arial" panose="020B0604020202020204" pitchFamily="34" charset="0"/>
+              <a:buNone/>
+            </a:pPr>
+            <a:r>
+              <a:rPr lang="es-MX" sz="1800" dirty="0"/>
+              <a:t>%</a:t>
+            </a:r>
           </a:p>
         </p:txBody>
       </p:sp>
